--- a/200409/20.04.09.pptx
+++ b/200409/20.04.09.pptx
@@ -9,11 +9,13 @@
     <p:sldId id="261" r:id="rId3"/>
     <p:sldId id="293" r:id="rId4"/>
     <p:sldId id="294" r:id="rId5"/>
-    <p:sldId id="257" r:id="rId6"/>
-    <p:sldId id="297" r:id="rId7"/>
-    <p:sldId id="272" r:id="rId8"/>
-    <p:sldId id="296" r:id="rId9"/>
-    <p:sldId id="260" r:id="rId10"/>
+    <p:sldId id="272" r:id="rId6"/>
+    <p:sldId id="257" r:id="rId7"/>
+    <p:sldId id="297" r:id="rId8"/>
+    <p:sldId id="298" r:id="rId9"/>
+    <p:sldId id="299" r:id="rId10"/>
+    <p:sldId id="296" r:id="rId11"/>
+    <p:sldId id="260" r:id="rId12"/>
   </p:sldIdLst>
   <p:sldSz cx="12192000" cy="6858000"/>
   <p:notesSz cx="6858000" cy="9144000"/>
@@ -162,7 +164,7 @@
 </inkml:ink>
 </file>
 
-<file path=ppt/ink/ink2.xml><?xml version="1.0" encoding="utf-8"?>
+<file path=ppt/ink/ink10.xml><?xml version="1.0" encoding="utf-8"?>
 <inkml:ink xmlns:inkml="http://www.w3.org/2003/InkML">
   <inkml:definitions>
     <inkml:context xml:id="ctx0">
@@ -189,6 +191,254 @@
   <inkml:trace contextRef="#ctx0" brushRef="#br0" timeOffset="862.99">3647 47,'0'0</inkml:trace>
   <inkml:trace contextRef="#ctx0" brushRef="#br0" timeOffset="1205.31">3647 47,'0'0</inkml:trace>
   <inkml:trace contextRef="#ctx0" brushRef="#br0" timeOffset="1551.48">3647 47,'0'0</inkml:trace>
+</inkml:ink>
+</file>
+
+<file path=ppt/ink/ink2.xml><?xml version="1.0" encoding="utf-8"?>
+<inkml:ink xmlns:inkml="http://www.w3.org/2003/InkML">
+  <inkml:definitions>
+    <inkml:context xml:id="ctx0">
+      <inkml:inkSource xml:id="inkSrc0">
+        <inkml:traceFormat>
+          <inkml:channel name="X" type="integer" min="-2.14748E9" max="2.14748E9" units="cm"/>
+          <inkml:channel name="Y" type="integer" min="-2.14748E9" max="2.14748E9" units="cm"/>
+          <inkml:channel name="F" type="integer" max="32767" units="dev"/>
+          <inkml:channel name="OA" type="integer" max="360" units="deg"/>
+          <inkml:channel name="OE" type="integer" max="90" units="deg"/>
+        </inkml:traceFormat>
+        <inkml:channelProperties>
+          <inkml:channelProperty channel="X" name="resolution" value="1000" units="1/cm"/>
+          <inkml:channelProperty channel="Y" name="resolution" value="1000" units="1/cm"/>
+          <inkml:channelProperty channel="F" name="resolution" value="0" units="1/dev"/>
+          <inkml:channelProperty channel="OA" name="resolution" value="1000" units="1/deg"/>
+          <inkml:channelProperty channel="OE" name="resolution" value="1000" units="1/deg"/>
+        </inkml:channelProperties>
+      </inkml:inkSource>
+      <inkml:timestamp xml:id="ts0" timeString="2020-04-09T07:28:59.078"/>
+    </inkml:context>
+    <inkml:brush xml:id="br0">
+      <inkml:brushProperty name="width" value="0.025" units="cm"/>
+      <inkml:brushProperty name="height" value="0.025" units="cm"/>
+    </inkml:brush>
+  </inkml:definitions>
+  <inkml:trace contextRef="#ctx0" brushRef="#br0">274 38 7834 0 0,'1'-10'1246'0'0,"-1"8"-851"0"0,0 0 0 0 0,0 0 1 0 0,0 0-1 0 0,0 1 0 0 0,0-1 1 0 0,-1 0-1 0 0,1 0 0 0 0,-1 0 1 0 0,1 1-1 0 0,-1-1 0 0 0,1 0 1 0 0,-1 0-1 0 0,-1-1-395 0 0,6 2 3577 0 0,-11 14-2973 0 0,-12 5-443 0 0,0 2 1 0 0,1 0-1 0 0,0 1 0 0 0,2 1 1 0 0,1 0-1 0 0,1 1 1 0 0,0 1-1 0 0,2 0 0 0 0,1 1 1 0 0,0 4-162 0 0,-9 39 28 0 0,3 2 1 0 0,3 0 0 0 0,1 22-29 0 0,-11 50 34 0 0,19-108-34 0 0,2 0 0 0 0,1 0 1 0 0,1 0-1 0 0,2 0 1 0 0,2 0-1 0 0,0 0 0 0 0,3 0 1 0 0,1-1-1 0 0,1 0 0 0 0,2 0 1 0 0,1-1-1 0 0,1 0 1 0 0,2-1-1 0 0,2 0 0 0 0,-14-27-5 0 0,74 151-82 0 0,17 15 87 0 0,-85-145 19 0 0,-8-16-5029 0 0,0-5 32 0 0,0-3-1051 0 0</inkml:trace>
+</inkml:ink>
+</file>
+
+<file path=ppt/ink/ink3.xml><?xml version="1.0" encoding="utf-8"?>
+<inkml:ink xmlns:inkml="http://www.w3.org/2003/InkML">
+  <inkml:definitions>
+    <inkml:context xml:id="ctx0">
+      <inkml:inkSource xml:id="inkSrc0">
+        <inkml:traceFormat>
+          <inkml:channel name="X" type="integer" min="-2.14748E9" max="2.14748E9" units="cm"/>
+          <inkml:channel name="Y" type="integer" min="-2.14748E9" max="2.14748E9" units="cm"/>
+          <inkml:channel name="F" type="integer" max="32767" units="dev"/>
+          <inkml:channel name="OA" type="integer" max="360" units="deg"/>
+          <inkml:channel name="OE" type="integer" max="90" units="deg"/>
+        </inkml:traceFormat>
+        <inkml:channelProperties>
+          <inkml:channelProperty channel="X" name="resolution" value="1000" units="1/cm"/>
+          <inkml:channelProperty channel="Y" name="resolution" value="1000" units="1/cm"/>
+          <inkml:channelProperty channel="F" name="resolution" value="0" units="1/dev"/>
+          <inkml:channelProperty channel="OA" name="resolution" value="1000" units="1/deg"/>
+          <inkml:channelProperty channel="OE" name="resolution" value="1000" units="1/deg"/>
+        </inkml:channelProperties>
+      </inkml:inkSource>
+      <inkml:timestamp xml:id="ts0" timeString="2020-04-09T07:32:10.433"/>
+    </inkml:context>
+    <inkml:brush xml:id="br0">
+      <inkml:brushProperty name="width" value="0.025" units="cm"/>
+      <inkml:brushProperty name="height" value="0.025" units="cm"/>
+    </inkml:brush>
+  </inkml:definitions>
+  <inkml:trace contextRef="#ctx0" brushRef="#br0">58 140 7050 0 0,'-38'17'625'0'0,"66"-26"1403"0"0,-23 6-1204 0 0,0 1-1 0 0,0-2 1 0 0,0 1-1 0 0,0 0 0 0 0,0-1 1 0 0,-1 0-1 0 0,3-3-823 0 0,-40 19 1065 0 0,28-8-1068 0 0,1-1 0 0 0,0 0 0 0 0,0 1 0 0 0,0 0 1 0 0,0 0-1 0 0,1 0 0 0 0,0 1 0 0 0,0-1 0 0 0,0 1 1 0 0,0-1-1 0 0,0 1 0 0 0,1 0 0 0 0,0 0 0 0 0,0 0 1 0 0,1 0-1 0 0,-1 1 0 0 0,1-1 0 0 0,0 0 0 0 0,1 1 1 0 0,-1-1-1 0 0,1 1 0 0 0,0-1 0 0 0,0 1 0 0 0,1-1 1 0 0,-1 0-1 0 0,1 1 0 0 0,1-1 0 0 0,-1 0 0 0 0,1 0 1 0 0,1 4 2 0 0,-3-7-11 0 0,1 1 0 0 0,0-1 1 0 0,-1 1-1 0 0,1-1 1 0 0,0 0-1 0 0,0 1 1 0 0,0-1-1 0 0,1 0 0 0 0,-1 1 1 0 0,1-1-1 0 0,-1 0 1 0 0,1 0-1 0 0,0 0 1 0 0,-1-1-1 0 0,1 1 1 0 0,0 0-1 0 0,0-1 0 0 0,0 1 1 0 0,1-1-1 0 0,-1 1 1 0 0,0-1-1 0 0,0 0 1 0 0,1 0-1 0 0,-1 0 0 0 0,1 0 1 0 0,-1-1-1 0 0,1 1 1 0 0,-1-1-1 0 0,1 1 1 0 0,-1-1-1 0 0,1 0 1 0 0,-1 0-1 0 0,1 0 0 0 0,0 0 1 0 0,-1-1-1 0 0,1 1 1 0 0,-1-1-1 0 0,1 1 1 0 0,-1-1-1 0 0,1 0 1 0 0,-1 0-1 0 0,2-1 11 0 0,3-1 6 0 0,0 0 1 0 0,0-1-1 0 0,-1 0 1 0 0,1 0-1 0 0,-1-1 0 0 0,0 0 1 0 0,0 0-1 0 0,0 0 1 0 0,-1-1-1 0 0,0 0 1 0 0,0 0-1 0 0,0 0 0 0 0,3-6-6 0 0,-2-2 36 0 0,1 1-1 0 0,-2-1 1 0 0,0-1-1 0 0,-1 1 0 0 0,0-1 1 0 0,-1 0-1 0 0,0 0 1 0 0,-2 0-1 0 0,1-3-35 0 0,-2 14 30 0 0,0 0 1 0 0,0 0-1 0 0,0 0 0 0 0,0 0 1 0 0,0 0-1 0 0,-1 0 0 0 0,1 0 1 0 0,-1 1-1 0 0,0-1 0 0 0,-1 0 1 0 0,1 0-1 0 0,-1 1 0 0 0,1-1 0 0 0,-1 1 1 0 0,0-1-1 0 0,0 1 0 0 0,-1 0 1 0 0,1 0-1 0 0,-1 0 0 0 0,1 0 1 0 0,-1 0-1 0 0,0 0 0 0 0,0 1 1 0 0,0 0-1 0 0,0-1 0 0 0,-1 1 1 0 0,1 0-1 0 0,-1 1 0 0 0,1-1 1 0 0,-1 1-1 0 0,0-1 0 0 0,1 1 0 0 0,-1 0 1 0 0,0 0-1 0 0,0 1 0 0 0,0-1 1 0 0,-1 1-31 0 0,2 0-7 0 0,-1 0 0 0 0,1 0 0 0 0,0 0 0 0 0,0 0 0 0 0,-1 1-1 0 0,1-1 1 0 0,0 1 0 0 0,0 0 0 0 0,0 0 0 0 0,0 0 0 0 0,0 0 0 0 0,0 1 0 0 0,0-1 0 0 0,0 1 0 0 0,0 0 0 0 0,1 0 0 0 0,-3 2 7 0 0,-2 2-1273 0 0,0 1 0 0 0,1 0 0 0 0,0 1 1 0 0,0 0-1 0 0,-1 3 1273 0 0,6-7-1945 0 0,3-4-3062 0 0,0 0 1627 0 0</inkml:trace>
+</inkml:ink>
+</file>
+
+<file path=ppt/ink/ink4.xml><?xml version="1.0" encoding="utf-8"?>
+<inkml:ink xmlns:inkml="http://www.w3.org/2003/InkML">
+  <inkml:definitions>
+    <inkml:context xml:id="ctx0">
+      <inkml:inkSource xml:id="inkSrc0">
+        <inkml:traceFormat>
+          <inkml:channel name="X" type="integer" min="-2.14748E9" max="2.14748E9" units="cm"/>
+          <inkml:channel name="Y" type="integer" min="-2.14748E9" max="2.14748E9" units="cm"/>
+          <inkml:channel name="F" type="integer" max="32767" units="dev"/>
+          <inkml:channel name="OA" type="integer" max="360" units="deg"/>
+          <inkml:channel name="OE" type="integer" max="90" units="deg"/>
+        </inkml:traceFormat>
+        <inkml:channelProperties>
+          <inkml:channelProperty channel="X" name="resolution" value="1000" units="1/cm"/>
+          <inkml:channelProperty channel="Y" name="resolution" value="1000" units="1/cm"/>
+          <inkml:channelProperty channel="F" name="resolution" value="0" units="1/dev"/>
+          <inkml:channelProperty channel="OA" name="resolution" value="1000" units="1/deg"/>
+          <inkml:channelProperty channel="OE" name="resolution" value="1000" units="1/deg"/>
+        </inkml:channelProperties>
+      </inkml:inkSource>
+      <inkml:timestamp xml:id="ts0" timeString="2020-04-09T07:32:10.765"/>
+    </inkml:context>
+    <inkml:brush xml:id="br0">
+      <inkml:brushProperty name="width" value="0.025" units="cm"/>
+      <inkml:brushProperty name="height" value="0.025" units="cm"/>
+    </inkml:brush>
+  </inkml:definitions>
+  <inkml:trace contextRef="#ctx0" brushRef="#br0">8 1 6505 0 0,'-7'33'5852'0'0,"11"25"-3989"0"0,1-13-1667 0 0,-4 1-234 0 0,2-1 0 0 0,3 0 0 0 0,1 0 0 0 0,2 0 38 0 0,32 102-5481 0 0,-38-139 3011 0 0,-2-7-1354 0 0</inkml:trace>
+</inkml:ink>
+</file>
+
+<file path=ppt/ink/ink5.xml><?xml version="1.0" encoding="utf-8"?>
+<inkml:ink xmlns:inkml="http://www.w3.org/2003/InkML">
+  <inkml:definitions>
+    <inkml:context xml:id="ctx0">
+      <inkml:inkSource xml:id="inkSrc0">
+        <inkml:traceFormat>
+          <inkml:channel name="X" type="integer" min="-2.14748E9" max="2.14748E9" units="cm"/>
+          <inkml:channel name="Y" type="integer" min="-2.14748E9" max="2.14748E9" units="cm"/>
+          <inkml:channel name="F" type="integer" max="32767" units="dev"/>
+          <inkml:channel name="OA" type="integer" max="360" units="deg"/>
+          <inkml:channel name="OE" type="integer" max="90" units="deg"/>
+        </inkml:traceFormat>
+        <inkml:channelProperties>
+          <inkml:channelProperty channel="X" name="resolution" value="1000" units="1/cm"/>
+          <inkml:channelProperty channel="Y" name="resolution" value="1000" units="1/cm"/>
+          <inkml:channelProperty channel="F" name="resolution" value="0" units="1/dev"/>
+          <inkml:channelProperty channel="OA" name="resolution" value="1000" units="1/deg"/>
+          <inkml:channelProperty channel="OE" name="resolution" value="1000" units="1/deg"/>
+        </inkml:channelProperties>
+      </inkml:inkSource>
+      <inkml:timestamp xml:id="ts0" timeString="2020-04-09T07:32:11.083"/>
+    </inkml:context>
+    <inkml:brush xml:id="br0">
+      <inkml:brushProperty name="width" value="0.025" units="cm"/>
+      <inkml:brushProperty name="height" value="0.025" units="cm"/>
+    </inkml:brush>
+  </inkml:definitions>
+  <inkml:trace contextRef="#ctx0" brushRef="#br0">53 93 8314 0 0,'-20'31'6050'0'0,"19"-30"-5969"0"0,0 0 0 0 0,1 0-1 0 0,-1 0 1 0 0,0 0 0 0 0,0 0 0 0 0,0-1-1 0 0,1 1 1 0 0,-1 0 0 0 0,0 0-1 0 0,0-1 1 0 0,0 1 0 0 0,0 0 0 0 0,0-1-1 0 0,0 1 1 0 0,-1-1 0 0 0,1 1-1 0 0,0-1 1 0 0,0 0 0 0 0,0 0-1 0 0,0 1 1 0 0,-1-1 0 0 0,1 0 0 0 0,0 0-1 0 0,0 0 1 0 0,0 0 0 0 0,-1 0-1 0 0,1 0 1 0 0,0-1 0 0 0,-1 1-81 0 0,2 0 14 0 0,0-1-1 0 0,0 1 1 0 0,0-1 0 0 0,0 1-1 0 0,0-1 1 0 0,0 1 0 0 0,0-1-1 0 0,0 1 1 0 0,0-1 0 0 0,0 1-1 0 0,0-1 1 0 0,0 1 0 0 0,0-1-1 0 0,0 1 1 0 0,1-1 0 0 0,-1 1-1 0 0,0-1 1 0 0,0 1 0 0 0,0-1-1 0 0,1 1 1 0 0,-1 0 0 0 0,0-1-1 0 0,1 1 1 0 0,-1-1 0 0 0,0 1-1 0 0,1 0 1 0 0,-1 0-1 0 0,1-1 1 0 0,-1 1 0 0 0,0 0-1 0 0,1-1 1 0 0,-1 1 0 0 0,1 0-1 0 0,-1 0 1 0 0,1 0 0 0 0,-1 0-1 0 0,1-1 1 0 0,-1 1 0 0 0,1 0-1 0 0,-1 0 1 0 0,1 0-14 0 0,21-12 113 0 0,54-15 217 0 0,-60 23-810 0 0,-1 0 1 0 0,0-2-1 0 0,0 0 1 0 0,-1 0-1 0 0,1-1 1 0 0,-1-1-1 0 0,12-9 480 0 0,-12 2-3012 0 0,-12 7-1443 0 0,-2 7 52 0 0</inkml:trace>
+</inkml:ink>
+</file>
+
+<file path=ppt/ink/ink6.xml><?xml version="1.0" encoding="utf-8"?>
+<inkml:ink xmlns:inkml="http://www.w3.org/2003/InkML">
+  <inkml:definitions>
+    <inkml:context xml:id="ctx0">
+      <inkml:inkSource xml:id="inkSrc0">
+        <inkml:traceFormat>
+          <inkml:channel name="X" type="integer" min="-2.14748E9" max="2.14748E9" units="cm"/>
+          <inkml:channel name="Y" type="integer" min="-2.14748E9" max="2.14748E9" units="cm"/>
+          <inkml:channel name="F" type="integer" max="32767" units="dev"/>
+          <inkml:channel name="OA" type="integer" max="360" units="deg"/>
+          <inkml:channel name="OE" type="integer" max="90" units="deg"/>
+        </inkml:traceFormat>
+        <inkml:channelProperties>
+          <inkml:channelProperty channel="X" name="resolution" value="1000" units="1/cm"/>
+          <inkml:channelProperty channel="Y" name="resolution" value="1000" units="1/cm"/>
+          <inkml:channelProperty channel="F" name="resolution" value="0" units="1/dev"/>
+          <inkml:channelProperty channel="OA" name="resolution" value="1000" units="1/deg"/>
+          <inkml:channelProperty channel="OE" name="resolution" value="1000" units="1/deg"/>
+        </inkml:channelProperties>
+      </inkml:inkSource>
+      <inkml:timestamp xml:id="ts0" timeString="2020-04-09T07:32:11.785"/>
+    </inkml:context>
+    <inkml:brush xml:id="br0">
+      <inkml:brushProperty name="width" value="0.025" units="cm"/>
+      <inkml:brushProperty name="height" value="0.025" units="cm"/>
+    </inkml:brush>
+  </inkml:definitions>
+  <inkml:trace contextRef="#ctx0" brushRef="#br0">113 1 7426 0 0,'-32'41'6247'0'0,"29"-39"-6222"0"0,0 1 1 0 0,1-1-1 0 0,-1 1 1 0 0,0 0-1 0 0,1 0 0 0 0,0 0 1 0 0,-1 0-1 0 0,1 0 1 0 0,0 1-1 0 0,1-1 1 0 0,-1 0-1 0 0,1 1 0 0 0,-1 0 1 0 0,1-1-1 0 0,0 1 1 0 0,0 0-1 0 0,1-1 1 0 0,-1 1-1 0 0,1 0 0 0 0,0 0 1 0 0,0 0-1 0 0,0-1 1 0 0,0 1-1 0 0,1 2-25 0 0,1 3-42 0 0,0 1 0 0 0,0-1 0 0 0,-1 1 0 0 0,0-1 0 0 0,-1 1 0 0 0,0 0 0 0 0,0-1 0 0 0,-1 1 0 0 0,-1-1 0 0 0,0 1 0 0 0,0-1 0 0 0,0 1 0 0 0,-1-1 0 0 0,-1 0 0 0 0,0 0 0 0 0,0 0 1 0 0,0-1-1 0 0,-1 0 0 0 0,-1 1 42 0 0,6-9-56 0 0,0 1 1 0 0,0-1 0 0 0,0 0 0 0 0,-1 0 0 0 0,1 0 0 0 0,0 1 0 0 0,0-1 0 0 0,0 0 0 0 0,0 0 0 0 0,0 0 0 0 0,0 0 0 0 0,-1 1 0 0 0,1-1-1 0 0,0 0 1 0 0,0 0 0 0 0,0 0 0 0 0,0 0 0 0 0,-1 0 0 0 0,1 0 0 0 0,0 1 0 0 0,0-1 0 0 0,0 0 0 0 0,-1 0 0 0 0,1 0 0 0 0,0 0 0 0 0,0 0 0 0 0,0 0-1 0 0,-1 0 1 0 0,1 0 0 0 0,0 0 0 0 0,0 0 0 0 0,0 0 0 0 0,-1 0 0 0 0,1 0 0 0 0,0 0 0 0 0,0 0 0 0 0,0 0 0 0 0,-1 0 0 0 0,1 0 0 0 0,0-1-1 0 0,0 1 1 0 0,0 0 0 0 0,-1 0 0 0 0,1 0 0 0 0,0 0 0 0 0,0 0 0 0 0,0 0 0 0 0,0-1 0 0 0,-1 1 0 0 0,1 0 0 0 0,0 0 0 0 0,0 0 0 0 0,0 0 55 0 0,-5-17-1625 0 0,3-20 187 0 0,9 19 1224 0 0,-5 14 335 0 0,0-1-1 0 0,0 1 1 0 0,-1 0-1 0 0,1 0 0 0 0,-1-1 1 0 0,0 1-1 0 0,0-1 1 0 0,-1 1-1 0 0,1-1 0 0 0,-1 1 1 0 0,0-1-1 0 0,0-1-120 0 0,-6 4 2220 0 0,24 0-732 0 0,-12 0-978 0 0,1 0 1 0 0,-1 1-1 0 0,0 0 1 0 0,1 0-1 0 0,0 0 1 0 0,-1 1-1 0 0,1 0 1 0 0,-1 0-1 0 0,6 1-510 0 0,-9 0 71 0 0,1 0-1 0 0,-1 0 0 0 0,0 0 1 0 0,0 1-1 0 0,1-1 1 0 0,-1 1-1 0 0,0 0 1 0 0,0 0-1 0 0,-1 0 1 0 0,1 0-1 0 0,0 1 1 0 0,-1-1-1 0 0,1 1 0 0 0,-1-1 1 0 0,0 1-1 0 0,0 0 1 0 0,0 0-1 0 0,1 2-70 0 0,-1-2 1 0 0,0-1 0 0 0,0 1 0 0 0,0 0 1 0 0,0-1-1 0 0,0 1 0 0 0,1-1 0 0 0,-1 0 0 0 0,1 0 0 0 0,-1 0 0 0 0,1 0 0 0 0,0 0 0 0 0,0-1 0 0 0,0 1 0 0 0,0-1 1 0 0,0 0-1 0 0,0 1 0 0 0,0-1 0 0 0,0-1 0 0 0,0 1 0 0 0,3 0-1 0 0,4-1-39 0 0,0 0 1 0 0,1 0 0 0 0,-1-1-1 0 0,0-1 1 0 0,10-2 38 0 0,34-3-1225 0 0,-56 10 240 0 0,0 0 0 0 0,0 0 0 0 0,-1 0 0 0 0,1 0 0 0 0,-1 0-1 0 0,0-1 1 0 0,1 1 0 0 0,-1-1 0 0 0,0 0 0 0 0,-1 1 985 0 0,1-2-4482 0 0</inkml:trace>
+</inkml:ink>
+</file>
+
+<file path=ppt/ink/ink7.xml><?xml version="1.0" encoding="utf-8"?>
+<inkml:ink xmlns:inkml="http://www.w3.org/2003/InkML">
+  <inkml:definitions>
+    <inkml:context xml:id="ctx0">
+      <inkml:inkSource xml:id="inkSrc0">
+        <inkml:traceFormat>
+          <inkml:channel name="X" type="integer" min="-2.14748E9" max="2.14748E9" units="cm"/>
+          <inkml:channel name="Y" type="integer" min="-2.14748E9" max="2.14748E9" units="cm"/>
+          <inkml:channel name="F" type="integer" max="32767" units="dev"/>
+          <inkml:channel name="OA" type="integer" max="360" units="deg"/>
+          <inkml:channel name="OE" type="integer" max="90" units="deg"/>
+        </inkml:traceFormat>
+        <inkml:channelProperties>
+          <inkml:channelProperty channel="X" name="resolution" value="1000" units="1/cm"/>
+          <inkml:channelProperty channel="Y" name="resolution" value="1000" units="1/cm"/>
+          <inkml:channelProperty channel="F" name="resolution" value="0" units="1/dev"/>
+          <inkml:channelProperty channel="OA" name="resolution" value="1000" units="1/deg"/>
+          <inkml:channelProperty channel="OE" name="resolution" value="1000" units="1/deg"/>
+        </inkml:channelProperties>
+      </inkml:inkSource>
+      <inkml:timestamp xml:id="ts0" timeString="2020-04-09T07:32:12.170"/>
+    </inkml:context>
+    <inkml:brush xml:id="br0">
+      <inkml:brushProperty name="width" value="0.025" units="cm"/>
+      <inkml:brushProperty name="height" value="0.025" units="cm"/>
+    </inkml:brush>
+  </inkml:definitions>
+  <inkml:trace contextRef="#ctx0" brushRef="#br0">0 7 5905 0 0,'1'-1'314'0'0,"0"1"0"0"0,0-1 0 0 0,-1 0-1 0 0,1 1 1 0 0,0-1 0 0 0,0 1 0 0 0,0 0-1 0 0,0-1 1 0 0,0 1 0 0 0,0 0 0 0 0,0-1-1 0 0,0 1 1 0 0,0 0 0 0 0,0 0 0 0 0,0 0-1 0 0,0 0 1 0 0,0 0 0 0 0,0 0 0 0 0,0 0-1 0 0,0 0 1 0 0,0 0 0 0 0,0 1 0 0 0,1-1-314 0 0,0 19 3186 0 0,-2-6-4036 0 0,0-13 586 0 0,1 0 0 0 0,-1 0 0 0 0,1-1 0 0 0,-1 1-1 0 0,0 0 1 0 0,1 0 0 0 0,-1 0 0 0 0,1 0 0 0 0,-1 0 0 0 0,0-1 0 0 0,1 1 0 0 0,-1 0 0 0 0,1 0 0 0 0,-1-1-1 0 0,0 1 1 0 0,1 0 0 0 0,-1-1 0 0 0,0 1 0 0 0,0 0 0 0 0,1-1 0 0 0,-1 1 0 0 0,0-1 0 0 0,0 1 0 0 0,1 0-1 0 0,-1-1 1 0 0,0 1 0 0 0,0-1 0 0 0,0 1 0 0 0,0-1 0 0 0,0 1 0 0 0,0-1 264 0 0,2-1-4350 0 0</inkml:trace>
+</inkml:ink>
+</file>
+
+<file path=ppt/ink/ink8.xml><?xml version="1.0" encoding="utf-8"?>
+<inkml:ink xmlns:inkml="http://www.w3.org/2003/InkML">
+  <inkml:definitions>
+    <inkml:context xml:id="ctx0">
+      <inkml:inkSource xml:id="inkSrc0">
+        <inkml:traceFormat>
+          <inkml:channel name="X" type="integer" min="-2.14748E9" max="2.14748E9" units="cm"/>
+          <inkml:channel name="Y" type="integer" min="-2.14748E9" max="2.14748E9" units="cm"/>
+          <inkml:channel name="F" type="integer" max="32767" units="dev"/>
+          <inkml:channel name="OA" type="integer" max="360" units="deg"/>
+          <inkml:channel name="OE" type="integer" max="90" units="deg"/>
+        </inkml:traceFormat>
+        <inkml:channelProperties>
+          <inkml:channelProperty channel="X" name="resolution" value="1000" units="1/cm"/>
+          <inkml:channelProperty channel="Y" name="resolution" value="1000" units="1/cm"/>
+          <inkml:channelProperty channel="F" name="resolution" value="0" units="1/dev"/>
+          <inkml:channelProperty channel="OA" name="resolution" value="1000" units="1/deg"/>
+          <inkml:channelProperty channel="OE" name="resolution" value="1000" units="1/deg"/>
+        </inkml:channelProperties>
+      </inkml:inkSource>
+      <inkml:timestamp xml:id="ts0" timeString="2020-04-09T07:32:12.537"/>
+    </inkml:context>
+    <inkml:brush xml:id="br0">
+      <inkml:brushProperty name="width" value="0.025" units="cm"/>
+      <inkml:brushProperty name="height" value="0.025" units="cm"/>
+    </inkml:brush>
+  </inkml:definitions>
+  <inkml:trace contextRef="#ctx0" brushRef="#br0">1 3 5817 0 0,'0'0'231'0'0,"1"0"0"0"0,-1-1 0 0 0,1 1 0 0 0,0 0 0 0 0,-1-1 0 0 0,1 1 0 0 0,0 0 0 0 0,-1 0 0 0 0,1 0 0 0 0,0 0-1 0 0,0 0 1 0 0,-1 0 0 0 0,1 0 0 0 0,0 0 0 0 0,-1 0 0 0 0,1 0 0 0 0,0 0 0 0 0,-1 0 0 0 0,1 0 0 0 0,0 1 0 0 0,-1-1 0 0 0,1 0 0 0 0,0 0 0 0 0,-1 1-1 0 0,1-1 1 0 0,0 1 0 0 0,-1-1 0 0 0,1 0 0 0 0,-1 1 0 0 0,1-1 0 0 0,-1 1 0 0 0,1-1 0 0 0,-1 1 0 0 0,1 0-231 0 0,16 19 1131 0 0,-8 13-1146 0 0,-10-26-2704 0 0,-3-22-5278 0 0,2 8 4560 0 0</inkml:trace>
+</inkml:ink>
+</file>
+
+<file path=ppt/ink/ink9.xml><?xml version="1.0" encoding="utf-8"?>
+<inkml:ink xmlns:inkml="http://www.w3.org/2003/InkML">
+  <inkml:definitions>
+    <inkml:context xml:id="ctx0">
+      <inkml:inkSource xml:id="inkSrc0">
+        <inkml:traceFormat>
+          <inkml:channel name="X" type="integer" min="-2.14748E9" max="2.14748E9" units="cm"/>
+          <inkml:channel name="Y" type="integer" min="-2.14748E9" max="2.14748E9" units="cm"/>
+          <inkml:channel name="F" type="integer" max="32767" units="dev"/>
+          <inkml:channel name="OA" type="integer" max="360" units="deg"/>
+          <inkml:channel name="OE" type="integer" max="90" units="deg"/>
+        </inkml:traceFormat>
+        <inkml:channelProperties>
+          <inkml:channelProperty channel="X" name="resolution" value="1000" units="1/cm"/>
+          <inkml:channelProperty channel="Y" name="resolution" value="1000" units="1/cm"/>
+          <inkml:channelProperty channel="F" name="resolution" value="0" units="1/dev"/>
+          <inkml:channelProperty channel="OA" name="resolution" value="1000" units="1/deg"/>
+          <inkml:channelProperty channel="OE" name="resolution" value="1000" units="1/deg"/>
+        </inkml:channelProperties>
+      </inkml:inkSource>
+      <inkml:timestamp xml:id="ts0" timeString="2020-04-09T07:32:12.948"/>
+    </inkml:context>
+    <inkml:brush xml:id="br0">
+      <inkml:brushProperty name="width" value="0.025" units="cm"/>
+      <inkml:brushProperty name="height" value="0.025" units="cm"/>
+    </inkml:brush>
+  </inkml:definitions>
+  <inkml:trace contextRef="#ctx0" brushRef="#br0">23 0 4265 0 0,'-3'22'5018'0'0,"3"-22"-4964"0"0,0 0 0 0 0,0 1 1 0 0,1-1-1 0 0,-1 0 0 0 0,0 1 1 0 0,0-1-1 0 0,0 0 0 0 0,0 1 1 0 0,0-1-1 0 0,0 0 0 0 0,0 1 1 0 0,0-1-1 0 0,0 0 0 0 0,0 1 1 0 0,0-1-1 0 0,-1 0 0 0 0,1 1 1 0 0,0-1-1 0 0,0 0 0 0 0,0 1 1 0 0,0-1-1 0 0,0 0 0 0 0,-1 1 1 0 0,1-1-1 0 0,0 0 0 0 0,0 0 1 0 0,0 1-1 0 0,-1-1 0 0 0,1 0 0 0 0,0 0 1 0 0,-1 1-1 0 0,1-1 0 0 0,0 0 1 0 0,0 0-1 0 0,-1 0 0 0 0,1 0 1 0 0,0 0-1 0 0,-1 1 0 0 0,1-1 1 0 0,0 0-1 0 0,-1 0 0 0 0,1 0 1 0 0,0 0-1 0 0,-1 0 0 0 0,1 0 1 0 0,0 0-1 0 0,-1 0 0 0 0,1 0 1 0 0,-1 0-1 0 0,1 0 0 0 0,0 0-54 0 0,-1 0 0 0 0,1-1-1 0 0,0 1 0 0 0,0 0 1 0 0,0 0-1 0 0,-1 0 1 0 0,1 0-1 0 0,0 0 0 0 0,0 0 1 0 0,-1 0-1 0 0,1 0 1 0 0,0 0-1 0 0,0 0 0 0 0,-1 0 1 0 0,1 0-1 0 0,0 0 1 0 0,-1 0-1 0 0,1 0 0 0 0,0 0 1 0 0,0 0-1 0 0,-1 0 1 0 0,1 0-1 0 0,0 0 0 0 0,0 0 1 0 0,0 0-1 0 0,-1 0 1 0 0,1 1-1 0 0,0-1 0 0 0,0 0 1 0 0,-1 0-1 0 0,1 0 1 0 0,0 0-1 0 0,0 1 0 0 0,0-1 1 0 0,0 0-1 0 0,-1 0 1 0 0,1 0-1 0 0,0 1 0 0 0,0-1 1 0 0,0 0-1 0 0,0 0 1 0 0,0 1-1 0 0,0-1 0 0 0,0 0 1 0 0,0 0-1 0 0,-1 1 1 0 0,1-1-1 0 0,0 0 0 0 0,0 0 1 0 0,0 1-1 0 0,0-1 1 0 0,0 0-1 0 0,0 0 0 0 0,0 1 1 0 0,1-1-1 0 0,-1 0 1 0 0,0 0 0 0 0,-2 10-1128 0 0,3-5-3408 0 0,2-4 324 0 0</inkml:trace>
 </inkml:ink>
 </file>
 
@@ -3573,6 +3823,1040 @@
 </p:sld>
 </file>
 
+<file path=ppt/slides/slide10.xml><?xml version="1.0" encoding="utf-8"?>
+<p:sld xmlns:a="http://schemas.openxmlformats.org/drawingml/2006/main" xmlns:r="http://schemas.openxmlformats.org/officeDocument/2006/relationships" xmlns:p="http://schemas.openxmlformats.org/presentationml/2006/main">
+  <p:cSld>
+    <p:spTree>
+      <p:nvGrpSpPr>
+        <p:cNvPr id="1" name=""/>
+        <p:cNvGrpSpPr/>
+        <p:nvPr/>
+      </p:nvGrpSpPr>
+      <p:grpSpPr>
+        <a:xfrm>
+          <a:off x="0" y="0"/>
+          <a:ext cx="0" cy="0"/>
+          <a:chOff x="0" y="0"/>
+          <a:chExt cx="0" cy="0"/>
+        </a:xfrm>
+      </p:grpSpPr>
+      <p:sp>
+        <p:nvSpPr>
+          <p:cNvPr id="4914" name="직사각형 4913"/>
+          <p:cNvSpPr/>
+          <p:nvPr/>
+        </p:nvSpPr>
+        <p:spPr>
+          <a:xfrm>
+            <a:off x="0" y="0"/>
+            <a:ext cx="12192000" cy="914400"/>
+          </a:xfrm>
+          <a:prstGeom prst="rect">
+            <a:avLst/>
+          </a:prstGeom>
+          <a:gradFill flip="none" rotWithShape="1">
+            <a:gsLst>
+              <a:gs pos="43000">
+                <a:srgbClr val="EA637C"/>
+              </a:gs>
+              <a:gs pos="0">
+                <a:schemeClr val="accent1"/>
+              </a:gs>
+              <a:gs pos="100000">
+                <a:schemeClr val="accent3"/>
+              </a:gs>
+            </a:gsLst>
+            <a:lin ang="0" scaled="1"/>
+            <a:tileRect/>
+          </a:gradFill>
+          <a:ln>
+            <a:noFill/>
+          </a:ln>
+        </p:spPr>
+        <p:style>
+          <a:lnRef idx="2">
+            <a:schemeClr val="accent1">
+              <a:shade val="50000"/>
+            </a:schemeClr>
+          </a:lnRef>
+          <a:fillRef idx="1">
+            <a:schemeClr val="accent1"/>
+          </a:fillRef>
+          <a:effectRef idx="0">
+            <a:schemeClr val="accent1"/>
+          </a:effectRef>
+          <a:fontRef idx="minor">
+            <a:schemeClr val="lt1"/>
+          </a:fontRef>
+        </p:style>
+        <p:txBody>
+          <a:bodyPr anchor="ctr"/>
+          <a:lstStyle/>
+          <a:p>
+            <a:pPr algn="ctr">
+              <a:defRPr/>
+            </a:pPr>
+            <a:endParaRPr lang="ko-KR" altLang="en-US"/>
+          </a:p>
+        </p:txBody>
+      </p:sp>
+      <p:sp>
+        <p:nvSpPr>
+          <p:cNvPr id="13" name="타원 12"/>
+          <p:cNvSpPr/>
+          <p:nvPr/>
+        </p:nvSpPr>
+        <p:spPr>
+          <a:xfrm>
+            <a:off x="1324020" y="1559003"/>
+            <a:ext cx="631437" cy="631437"/>
+          </a:xfrm>
+          <a:prstGeom prst="ellipse">
+            <a:avLst/>
+          </a:prstGeom>
+          <a:ln>
+            <a:noFill/>
+          </a:ln>
+        </p:spPr>
+        <p:style>
+          <a:lnRef idx="2">
+            <a:schemeClr val="accent1">
+              <a:shade val="50000"/>
+            </a:schemeClr>
+          </a:lnRef>
+          <a:fillRef idx="1">
+            <a:schemeClr val="accent1"/>
+          </a:fillRef>
+          <a:effectRef idx="0">
+            <a:schemeClr val="accent1"/>
+          </a:effectRef>
+          <a:fontRef idx="minor">
+            <a:schemeClr val="lt1"/>
+          </a:fontRef>
+        </p:style>
+        <p:txBody>
+          <a:bodyPr anchor="ctr"/>
+          <a:lstStyle/>
+          <a:p>
+            <a:pPr algn="ctr">
+              <a:defRPr/>
+            </a:pPr>
+            <a:r>
+              <a:rPr lang="en-US" altLang="ko-KR" sz="1400" b="1" dirty="0">
+                <a:ln w="9525">
+                  <a:solidFill>
+                    <a:schemeClr val="bg1">
+                      <a:alpha val="30000"/>
+                    </a:schemeClr>
+                  </a:solidFill>
+                </a:ln>
+                <a:latin typeface="바탕"/>
+                <a:ea typeface="바탕"/>
+              </a:rPr>
+              <a:t>04</a:t>
+            </a:r>
+            <a:endParaRPr lang="ko-KR" altLang="en-US" sz="1400" b="1" dirty="0">
+              <a:ln w="9525">
+                <a:solidFill>
+                  <a:schemeClr val="bg1">
+                    <a:alpha val="30000"/>
+                  </a:schemeClr>
+                </a:solidFill>
+              </a:ln>
+              <a:latin typeface="바탕"/>
+              <a:ea typeface="바탕"/>
+            </a:endParaRPr>
+          </a:p>
+        </p:txBody>
+      </p:sp>
+      <p:sp>
+        <p:nvSpPr>
+          <p:cNvPr id="14" name="TextBox 13"/>
+          <p:cNvSpPr txBox="1"/>
+          <p:nvPr/>
+        </p:nvSpPr>
+        <p:spPr>
+          <a:xfrm>
+            <a:off x="2082832" y="2365538"/>
+            <a:ext cx="8417738" cy="4037259"/>
+          </a:xfrm>
+          <a:prstGeom prst="rect">
+            <a:avLst/>
+          </a:prstGeom>
+          <a:noFill/>
+        </p:spPr>
+        <p:txBody>
+          <a:bodyPr wrap="square" anchor="b">
+            <a:spAutoFit/>
+          </a:bodyPr>
+          <a:lstStyle/>
+          <a:p>
+            <a:pPr marL="285750" indent="-285750">
+              <a:lnSpc>
+                <a:spcPct val="120000"/>
+              </a:lnSpc>
+              <a:buFont typeface="Arial" panose="020B0604020202020204" pitchFamily="34" charset="0"/>
+              <a:buChar char="•"/>
+              <a:defRPr/>
+            </a:pPr>
+            <a:r>
+              <a:rPr lang="ko-KR" altLang="en-US" dirty="0">
+                <a:solidFill>
+                  <a:schemeClr val="tx1">
+                    <a:lumMod val="50000"/>
+                    <a:lumOff val="50000"/>
+                  </a:schemeClr>
+                </a:solidFill>
+                <a:latin typeface="바탕"/>
+                <a:ea typeface="바탕"/>
+              </a:rPr>
+              <a:t>계획표 작성</a:t>
+            </a:r>
+            <a:r>
+              <a:rPr lang="en-US" altLang="ko-KR" dirty="0">
+                <a:solidFill>
+                  <a:schemeClr val="tx1">
+                    <a:lumMod val="50000"/>
+                    <a:lumOff val="50000"/>
+                  </a:schemeClr>
+                </a:solidFill>
+                <a:latin typeface="바탕"/>
+                <a:ea typeface="바탕"/>
+              </a:rPr>
+              <a:t>(4/11~4/12)</a:t>
+            </a:r>
+          </a:p>
+          <a:p>
+            <a:pPr>
+              <a:lnSpc>
+                <a:spcPct val="120000"/>
+              </a:lnSpc>
+              <a:defRPr/>
+            </a:pPr>
+            <a:r>
+              <a:rPr lang="en-US" altLang="ko-KR" dirty="0">
+                <a:solidFill>
+                  <a:schemeClr val="tx1">
+                    <a:lumMod val="50000"/>
+                    <a:lumOff val="50000"/>
+                  </a:schemeClr>
+                </a:solidFill>
+                <a:latin typeface="바탕"/>
+                <a:ea typeface="바탕"/>
+              </a:rPr>
+              <a:t>    </a:t>
+            </a:r>
+            <a:r>
+              <a:rPr lang="ko-KR" altLang="en-US" dirty="0">
+                <a:solidFill>
+                  <a:schemeClr val="tx1">
+                    <a:lumMod val="50000"/>
+                    <a:lumOff val="50000"/>
+                  </a:schemeClr>
+                </a:solidFill>
+                <a:latin typeface="바탕"/>
+                <a:ea typeface="바탕"/>
+              </a:rPr>
+              <a:t> </a:t>
+            </a:r>
+            <a:r>
+              <a:rPr lang="en-US" altLang="ko-KR" dirty="0">
+                <a:solidFill>
+                  <a:schemeClr val="tx1">
+                    <a:lumMod val="50000"/>
+                    <a:lumOff val="50000"/>
+                  </a:schemeClr>
+                </a:solidFill>
+                <a:latin typeface="바탕"/>
+                <a:ea typeface="바탕"/>
+              </a:rPr>
+              <a:t>=&gt; </a:t>
+            </a:r>
+            <a:r>
+              <a:rPr lang="ko-KR" altLang="en-US" dirty="0">
+                <a:solidFill>
+                  <a:schemeClr val="tx1">
+                    <a:lumMod val="50000"/>
+                    <a:lumOff val="50000"/>
+                  </a:schemeClr>
+                </a:solidFill>
+                <a:latin typeface="바탕"/>
+                <a:ea typeface="바탕"/>
+              </a:rPr>
+              <a:t>시간 관리가 안 돼서 매일 목표치를 달성하지 못하는 끔찍한 일이 발생</a:t>
+            </a:r>
+            <a:r>
+              <a:rPr lang="en-US" altLang="ko-KR" dirty="0">
+                <a:solidFill>
+                  <a:schemeClr val="tx1">
+                    <a:lumMod val="50000"/>
+                    <a:lumOff val="50000"/>
+                  </a:schemeClr>
+                </a:solidFill>
+                <a:latin typeface="바탕"/>
+                <a:ea typeface="바탕"/>
+              </a:rPr>
+              <a:t>…</a:t>
+            </a:r>
+          </a:p>
+          <a:p>
+            <a:pPr>
+              <a:lnSpc>
+                <a:spcPct val="120000"/>
+              </a:lnSpc>
+              <a:defRPr/>
+            </a:pPr>
+            <a:endParaRPr lang="en-US" altLang="ko-KR" dirty="0">
+              <a:solidFill>
+                <a:schemeClr val="tx1">
+                  <a:lumMod val="50000"/>
+                  <a:lumOff val="50000"/>
+                </a:schemeClr>
+              </a:solidFill>
+              <a:latin typeface="바탕"/>
+              <a:ea typeface="바탕"/>
+            </a:endParaRPr>
+          </a:p>
+          <a:p>
+            <a:pPr marL="285750" indent="-285750">
+              <a:lnSpc>
+                <a:spcPct val="120000"/>
+              </a:lnSpc>
+              <a:buFont typeface="Arial" panose="020B0604020202020204" pitchFamily="34" charset="0"/>
+              <a:buChar char="•"/>
+              <a:defRPr/>
+            </a:pPr>
+            <a:r>
+              <a:rPr lang="ko-KR" altLang="en-US" dirty="0">
+                <a:solidFill>
+                  <a:schemeClr val="tx1">
+                    <a:lumMod val="50000"/>
+                    <a:lumOff val="50000"/>
+                  </a:schemeClr>
+                </a:solidFill>
+                <a:latin typeface="바탕"/>
+                <a:ea typeface="바탕"/>
+              </a:rPr>
+              <a:t>강의 수강</a:t>
+            </a:r>
+            <a:r>
+              <a:rPr lang="en-US" altLang="ko-KR" dirty="0">
+                <a:solidFill>
+                  <a:schemeClr val="tx1">
+                    <a:lumMod val="50000"/>
+                    <a:lumOff val="50000"/>
+                  </a:schemeClr>
+                </a:solidFill>
+                <a:latin typeface="바탕"/>
+                <a:ea typeface="바탕"/>
+              </a:rPr>
+              <a:t>, </a:t>
+            </a:r>
+            <a:r>
+              <a:rPr lang="ko-KR" altLang="en-US" dirty="0">
+                <a:solidFill>
+                  <a:schemeClr val="tx1">
+                    <a:lumMod val="50000"/>
+                    <a:lumOff val="50000"/>
+                  </a:schemeClr>
+                </a:solidFill>
+                <a:latin typeface="바탕"/>
+                <a:ea typeface="바탕"/>
+              </a:rPr>
+              <a:t>과제</a:t>
+            </a:r>
+            <a:r>
+              <a:rPr lang="en-US" altLang="ko-KR" dirty="0">
+                <a:solidFill>
+                  <a:schemeClr val="tx1">
+                    <a:lumMod val="50000"/>
+                    <a:lumOff val="50000"/>
+                  </a:schemeClr>
+                </a:solidFill>
+                <a:latin typeface="바탕"/>
+                <a:ea typeface="바탕"/>
+              </a:rPr>
+              <a:t>, </a:t>
+            </a:r>
+            <a:r>
+              <a:rPr lang="ko-KR" altLang="en-US" dirty="0">
+                <a:solidFill>
+                  <a:schemeClr val="tx1">
+                    <a:lumMod val="50000"/>
+                    <a:lumOff val="50000"/>
+                  </a:schemeClr>
+                </a:solidFill>
+                <a:latin typeface="바탕"/>
+                <a:ea typeface="바탕"/>
+              </a:rPr>
+              <a:t>퀴즈</a:t>
+            </a:r>
+            <a:endParaRPr lang="en-US" altLang="ko-KR" dirty="0">
+              <a:solidFill>
+                <a:schemeClr val="tx1">
+                  <a:lumMod val="50000"/>
+                  <a:lumOff val="50000"/>
+                </a:schemeClr>
+              </a:solidFill>
+              <a:latin typeface="바탕"/>
+              <a:ea typeface="바탕"/>
+            </a:endParaRPr>
+          </a:p>
+          <a:p>
+            <a:pPr>
+              <a:lnSpc>
+                <a:spcPct val="120000"/>
+              </a:lnSpc>
+              <a:defRPr/>
+            </a:pPr>
+            <a:endParaRPr lang="en-US" altLang="ko-KR" dirty="0">
+              <a:solidFill>
+                <a:schemeClr val="tx1">
+                  <a:lumMod val="50000"/>
+                  <a:lumOff val="50000"/>
+                </a:schemeClr>
+              </a:solidFill>
+              <a:latin typeface="바탕"/>
+              <a:ea typeface="바탕"/>
+            </a:endParaRPr>
+          </a:p>
+          <a:p>
+            <a:pPr marL="285750" indent="-285750">
+              <a:lnSpc>
+                <a:spcPct val="120000"/>
+              </a:lnSpc>
+              <a:buFont typeface="Arial" panose="020B0604020202020204" pitchFamily="34" charset="0"/>
+              <a:buChar char="•"/>
+              <a:defRPr/>
+            </a:pPr>
+            <a:r>
+              <a:rPr lang="ko-KR" altLang="en-US" dirty="0">
+                <a:solidFill>
+                  <a:schemeClr val="tx1">
+                    <a:lumMod val="50000"/>
+                    <a:lumOff val="50000"/>
+                  </a:schemeClr>
+                </a:solidFill>
+                <a:latin typeface="바탕"/>
+                <a:ea typeface="바탕"/>
+              </a:rPr>
+              <a:t>제어 이론 </a:t>
+            </a:r>
+            <a:r>
+              <a:rPr lang="en-US" altLang="ko-KR" dirty="0">
+                <a:solidFill>
+                  <a:schemeClr val="tx1">
+                    <a:lumMod val="50000"/>
+                    <a:lumOff val="50000"/>
+                  </a:schemeClr>
+                </a:solidFill>
+                <a:latin typeface="바탕"/>
+                <a:ea typeface="바탕"/>
+              </a:rPr>
+              <a:t>&amp; Simulink</a:t>
+            </a:r>
+          </a:p>
+          <a:p>
+            <a:pPr>
+              <a:lnSpc>
+                <a:spcPct val="120000"/>
+              </a:lnSpc>
+              <a:defRPr/>
+            </a:pPr>
+            <a:endParaRPr lang="en-US" altLang="ko-KR" dirty="0">
+              <a:solidFill>
+                <a:schemeClr val="tx1">
+                  <a:lumMod val="50000"/>
+                  <a:lumOff val="50000"/>
+                </a:schemeClr>
+              </a:solidFill>
+              <a:latin typeface="바탕"/>
+              <a:ea typeface="바탕"/>
+            </a:endParaRPr>
+          </a:p>
+          <a:p>
+            <a:pPr marL="285750" indent="-285750">
+              <a:lnSpc>
+                <a:spcPct val="120000"/>
+              </a:lnSpc>
+              <a:buFont typeface="Arial" panose="020B0604020202020204" pitchFamily="34" charset="0"/>
+              <a:buChar char="•"/>
+              <a:defRPr/>
+            </a:pPr>
+            <a:r>
+              <a:rPr lang="en-US" altLang="ko-KR" dirty="0">
+                <a:solidFill>
+                  <a:schemeClr val="tx1">
+                    <a:lumMod val="50000"/>
+                    <a:lumOff val="50000"/>
+                  </a:schemeClr>
+                </a:solidFill>
+                <a:latin typeface="바탕"/>
+                <a:ea typeface="바탕"/>
+              </a:rPr>
+              <a:t>Python </a:t>
+            </a:r>
+            <a:r>
+              <a:rPr lang="ko-KR" altLang="en-US" dirty="0">
+                <a:solidFill>
+                  <a:schemeClr val="tx1">
+                    <a:lumMod val="50000"/>
+                    <a:lumOff val="50000"/>
+                  </a:schemeClr>
+                </a:solidFill>
+                <a:latin typeface="바탕"/>
+                <a:ea typeface="바탕"/>
+              </a:rPr>
+              <a:t>영상처리</a:t>
+            </a:r>
+            <a:endParaRPr lang="en-US" altLang="ko-KR" dirty="0">
+              <a:solidFill>
+                <a:schemeClr val="tx1">
+                  <a:lumMod val="50000"/>
+                  <a:lumOff val="50000"/>
+                </a:schemeClr>
+              </a:solidFill>
+              <a:latin typeface="바탕"/>
+              <a:ea typeface="바탕"/>
+            </a:endParaRPr>
+          </a:p>
+          <a:p>
+            <a:pPr>
+              <a:lnSpc>
+                <a:spcPct val="120000"/>
+              </a:lnSpc>
+              <a:defRPr/>
+            </a:pPr>
+            <a:r>
+              <a:rPr lang="en-US" altLang="ko-KR" dirty="0">
+                <a:solidFill>
+                  <a:schemeClr val="tx1">
+                    <a:lumMod val="50000"/>
+                    <a:lumOff val="50000"/>
+                  </a:schemeClr>
+                </a:solidFill>
+                <a:latin typeface="바탕"/>
+                <a:ea typeface="바탕"/>
+              </a:rPr>
+              <a:t>    =&gt; </a:t>
+            </a:r>
+            <a:r>
+              <a:rPr lang="ko-KR" altLang="en-US" dirty="0">
+                <a:solidFill>
+                  <a:schemeClr val="tx1">
+                    <a:lumMod val="50000"/>
+                    <a:lumOff val="50000"/>
+                  </a:schemeClr>
+                </a:solidFill>
+                <a:latin typeface="바탕"/>
+                <a:ea typeface="바탕"/>
+              </a:rPr>
+              <a:t>제어 이론 공부하고 시간이 남을 때마다 조금씩</a:t>
+            </a:r>
+            <a:endParaRPr lang="en-US" altLang="ko-KR" dirty="0">
+              <a:solidFill>
+                <a:schemeClr val="tx1">
+                  <a:lumMod val="50000"/>
+                  <a:lumOff val="50000"/>
+                </a:schemeClr>
+              </a:solidFill>
+              <a:latin typeface="바탕"/>
+              <a:ea typeface="바탕"/>
+            </a:endParaRPr>
+          </a:p>
+          <a:p>
+            <a:pPr>
+              <a:lnSpc>
+                <a:spcPct val="120000"/>
+              </a:lnSpc>
+              <a:defRPr/>
+            </a:pPr>
+            <a:endParaRPr lang="en-US" altLang="ko-KR" dirty="0">
+              <a:solidFill>
+                <a:schemeClr val="tx1">
+                  <a:lumMod val="50000"/>
+                  <a:lumOff val="50000"/>
+                </a:schemeClr>
+              </a:solidFill>
+              <a:latin typeface="바탕"/>
+              <a:ea typeface="바탕"/>
+            </a:endParaRPr>
+          </a:p>
+          <a:p>
+            <a:pPr>
+              <a:lnSpc>
+                <a:spcPct val="120000"/>
+              </a:lnSpc>
+              <a:defRPr/>
+            </a:pPr>
+            <a:r>
+              <a:rPr lang="ko-KR" altLang="en-US" dirty="0">
+                <a:solidFill>
+                  <a:schemeClr val="tx1">
+                    <a:lumMod val="50000"/>
+                    <a:lumOff val="50000"/>
+                  </a:schemeClr>
+                </a:solidFill>
+                <a:latin typeface="바탕"/>
+                <a:ea typeface="바탕"/>
+              </a:rPr>
+              <a:t>다음주 월요일부터는 계획대로 할 수 있을 것 같습니다</a:t>
+            </a:r>
+            <a:r>
+              <a:rPr lang="en-US" altLang="ko-KR" dirty="0">
+                <a:solidFill>
+                  <a:schemeClr val="tx1">
+                    <a:lumMod val="50000"/>
+                    <a:lumOff val="50000"/>
+                  </a:schemeClr>
+                </a:solidFill>
+                <a:latin typeface="바탕"/>
+                <a:ea typeface="바탕"/>
+              </a:rPr>
+              <a:t>…</a:t>
+            </a:r>
+          </a:p>
+          <a:p>
+            <a:pPr marL="285750" indent="-285750">
+              <a:lnSpc>
+                <a:spcPct val="120000"/>
+              </a:lnSpc>
+              <a:buFont typeface="Arial" panose="020B0604020202020204" pitchFamily="34" charset="0"/>
+              <a:buChar char="•"/>
+              <a:defRPr/>
+            </a:pPr>
+            <a:endParaRPr lang="en-US" altLang="ko-KR" dirty="0">
+              <a:solidFill>
+                <a:schemeClr val="tx1">
+                  <a:lumMod val="50000"/>
+                  <a:lumOff val="50000"/>
+                </a:schemeClr>
+              </a:solidFill>
+              <a:latin typeface="바탕"/>
+              <a:ea typeface="바탕"/>
+            </a:endParaRPr>
+          </a:p>
+        </p:txBody>
+      </p:sp>
+      <p:sp>
+        <p:nvSpPr>
+          <p:cNvPr id="15" name="TextBox 14"/>
+          <p:cNvSpPr txBox="1"/>
+          <p:nvPr/>
+        </p:nvSpPr>
+        <p:spPr>
+          <a:xfrm>
+            <a:off x="1901551" y="1674666"/>
+            <a:ext cx="1862891" cy="400110"/>
+          </a:xfrm>
+          <a:prstGeom prst="rect">
+            <a:avLst/>
+          </a:prstGeom>
+          <a:noFill/>
+        </p:spPr>
+        <p:txBody>
+          <a:bodyPr wrap="square">
+            <a:spAutoFit/>
+          </a:bodyPr>
+          <a:lstStyle/>
+          <a:p>
+            <a:pPr algn="ctr">
+              <a:defRPr/>
+            </a:pPr>
+            <a:r>
+              <a:rPr lang="ko-KR" altLang="en-US" sz="2000" b="1" dirty="0">
+                <a:ln w="9525">
+                  <a:solidFill>
+                    <a:schemeClr val="accent1">
+                      <a:alpha val="30000"/>
+                    </a:schemeClr>
+                  </a:solidFill>
+                </a:ln>
+                <a:gradFill flip="none" rotWithShape="1">
+                  <a:gsLst>
+                    <a:gs pos="0">
+                      <a:schemeClr val="accent4"/>
+                    </a:gs>
+                    <a:gs pos="63000">
+                      <a:schemeClr val="accent1"/>
+                    </a:gs>
+                  </a:gsLst>
+                  <a:path path="circle">
+                    <a:fillToRect r="100000" b="100000"/>
+                  </a:path>
+                  <a:tileRect l="-100000" t="-100000"/>
+                </a:gradFill>
+                <a:latin typeface="바탕"/>
+                <a:ea typeface="바탕"/>
+              </a:rPr>
+              <a:t>앞으로 계획</a:t>
+            </a:r>
+          </a:p>
+        </p:txBody>
+      </p:sp>
+      <mc:AlternateContent xmlns:mc="http://schemas.openxmlformats.org/markup-compatibility/2006" xmlns:p14="http://schemas.microsoft.com/office/powerpoint/2010/main">
+        <mc:Choice Requires="p14">
+          <p:contentPart p14:bwMode="auto" r:id="rId2">
+            <p14:nvContentPartPr>
+              <p14:cNvPr id="10" name="잉크 9">
+                <a:extLst>
+                  <a:ext uri="{FF2B5EF4-FFF2-40B4-BE49-F238E27FC236}">
+                    <a16:creationId xmlns:a16="http://schemas.microsoft.com/office/drawing/2014/main" id="{ABCF400C-DFD4-4673-A983-BAB493103927}"/>
+                  </a:ext>
+                </a:extLst>
+              </p14:cNvPr>
+              <p14:cNvContentPartPr/>
+              <p14:nvPr/>
+            </p14:nvContentPartPr>
+            <p14:xfrm>
+              <a:off x="4221363" y="5319260"/>
+              <a:ext cx="109440" cy="75960"/>
+            </p14:xfrm>
+          </p:contentPart>
+        </mc:Choice>
+        <mc:Fallback xmlns="">
+          <p:pic>
+            <p:nvPicPr>
+              <p:cNvPr id="10" name="잉크 9">
+                <a:extLst>
+                  <a:ext uri="{FF2B5EF4-FFF2-40B4-BE49-F238E27FC236}">
+                    <a16:creationId xmlns:a16="http://schemas.microsoft.com/office/drawing/2014/main" id="{ABCF400C-DFD4-4673-A983-BAB493103927}"/>
+                  </a:ext>
+                </a:extLst>
+              </p:cNvPr>
+              <p:cNvPicPr/>
+              <p:nvPr/>
+            </p:nvPicPr>
+            <p:blipFill>
+              <a:blip r:embed="rId3"/>
+              <a:stretch>
+                <a:fillRect/>
+              </a:stretch>
+            </p:blipFill>
+            <p:spPr>
+              <a:xfrm>
+                <a:off x="4217043" y="5314940"/>
+                <a:ext cx="118080" cy="84600"/>
+              </a:xfrm>
+              <a:prstGeom prst="rect">
+                <a:avLst/>
+              </a:prstGeom>
+            </p:spPr>
+          </p:pic>
+        </mc:Fallback>
+      </mc:AlternateContent>
+      <p:sp>
+        <p:nvSpPr>
+          <p:cNvPr id="11" name="TextBox 10">
+            <a:extLst>
+              <a:ext uri="{FF2B5EF4-FFF2-40B4-BE49-F238E27FC236}">
+                <a16:creationId xmlns:a16="http://schemas.microsoft.com/office/drawing/2014/main" id="{5F973CD8-1FF7-4C31-AD1C-F84A08FA0DC0}"/>
+              </a:ext>
+            </a:extLst>
+          </p:cNvPr>
+          <p:cNvSpPr txBox="1"/>
+          <p:nvPr/>
+        </p:nvSpPr>
+        <p:spPr>
+          <a:xfrm>
+            <a:off x="3281363" y="455203"/>
+            <a:ext cx="5629275" cy="412870"/>
+          </a:xfrm>
+          <a:prstGeom prst="rect">
+            <a:avLst/>
+          </a:prstGeom>
+          <a:noFill/>
+        </p:spPr>
+        <p:txBody>
+          <a:bodyPr wrap="square">
+            <a:spAutoFit/>
+          </a:bodyPr>
+          <a:lstStyle/>
+          <a:p>
+            <a:pPr algn="dist">
+              <a:lnSpc>
+                <a:spcPct val="120000"/>
+              </a:lnSpc>
+              <a:defRPr/>
+            </a:pPr>
+            <a:r>
+              <a:rPr lang="en-US" altLang="ko-KR" sz="2000" dirty="0">
+                <a:ln w="9525">
+                  <a:solidFill>
+                    <a:schemeClr val="bg1">
+                      <a:alpha val="30000"/>
+                    </a:schemeClr>
+                  </a:solidFill>
+                </a:ln>
+                <a:solidFill>
+                  <a:schemeClr val="bg1"/>
+                </a:solidFill>
+                <a:latin typeface="바탕"/>
+                <a:ea typeface="바탕"/>
+              </a:rPr>
+              <a:t>2020.04.02(</a:t>
+            </a:r>
+            <a:r>
+              <a:rPr lang="ko-KR" altLang="en-US" sz="2000" dirty="0">
+                <a:ln w="9525">
+                  <a:solidFill>
+                    <a:schemeClr val="bg1">
+                      <a:alpha val="30000"/>
+                    </a:schemeClr>
+                  </a:solidFill>
+                </a:ln>
+                <a:solidFill>
+                  <a:schemeClr val="bg1"/>
+                </a:solidFill>
+                <a:latin typeface="바탕"/>
+                <a:ea typeface="바탕"/>
+              </a:rPr>
+              <a:t>목</a:t>
+            </a:r>
+            <a:r>
+              <a:rPr lang="en-US" altLang="ko-KR" sz="2000" dirty="0">
+                <a:ln w="9525">
+                  <a:solidFill>
+                    <a:schemeClr val="bg1">
+                      <a:alpha val="30000"/>
+                    </a:schemeClr>
+                  </a:solidFill>
+                </a:ln>
+                <a:solidFill>
+                  <a:schemeClr val="bg1"/>
+                </a:solidFill>
+                <a:latin typeface="바탕"/>
+                <a:ea typeface="바탕"/>
+              </a:rPr>
+              <a:t>)~2020.04.08(</a:t>
+            </a:r>
+            <a:r>
+              <a:rPr lang="ko-KR" altLang="en-US" sz="2000" dirty="0">
+                <a:ln w="9525">
+                  <a:solidFill>
+                    <a:schemeClr val="bg1">
+                      <a:alpha val="30000"/>
+                    </a:schemeClr>
+                  </a:solidFill>
+                </a:ln>
+                <a:solidFill>
+                  <a:schemeClr val="bg1"/>
+                </a:solidFill>
+                <a:latin typeface="바탕"/>
+                <a:ea typeface="바탕"/>
+              </a:rPr>
+              <a:t>수</a:t>
+            </a:r>
+            <a:r>
+              <a:rPr lang="en-US" altLang="ko-KR" sz="2000" dirty="0">
+                <a:ln w="9525">
+                  <a:solidFill>
+                    <a:schemeClr val="bg1">
+                      <a:alpha val="30000"/>
+                    </a:schemeClr>
+                  </a:solidFill>
+                </a:ln>
+                <a:solidFill>
+                  <a:schemeClr val="bg1"/>
+                </a:solidFill>
+                <a:latin typeface="바탕"/>
+                <a:ea typeface="바탕"/>
+              </a:rPr>
+              <a:t>)</a:t>
+            </a:r>
+            <a:endParaRPr lang="ko-KR" altLang="en-US" sz="2000" dirty="0">
+              <a:ln w="9525">
+                <a:solidFill>
+                  <a:schemeClr val="bg1">
+                    <a:alpha val="30000"/>
+                  </a:schemeClr>
+                </a:solidFill>
+              </a:ln>
+              <a:solidFill>
+                <a:schemeClr val="bg1"/>
+              </a:solidFill>
+              <a:latin typeface="바탕"/>
+              <a:ea typeface="바탕"/>
+            </a:endParaRPr>
+          </a:p>
+        </p:txBody>
+      </p:sp>
+    </p:spTree>
+    <p:extLst>
+      <p:ext uri="{BB962C8B-B14F-4D97-AF65-F5344CB8AC3E}">
+        <p14:creationId xmlns:p14="http://schemas.microsoft.com/office/powerpoint/2010/main" val="1113927470"/>
+      </p:ext>
+    </p:extLst>
+  </p:cSld>
+  <p:clrMapOvr>
+    <a:masterClrMapping/>
+  </p:clrMapOvr>
+  <mc:AlternateContent xmlns:mc="http://schemas.openxmlformats.org/markup-compatibility/2006" xmlns:p14="http://schemas.microsoft.com/office/powerpoint/2010/main">
+    <mc:Choice Requires="p14">
+      <p:transition/>
+    </mc:Choice>
+    <mc:Fallback xmlns="" xmlns:c="http://schemas.openxmlformats.org/drawingml/2006/chart" xmlns:dgm="http://schemas.openxmlformats.org/drawingml/2006/diagram" xmlns:dsp="http://schemas.microsoft.com/office/drawing/2008/diagram">
+      <p:transition/>
+    </mc:Fallback>
+  </mc:AlternateContent>
+</p:sld>
+</file>
+
+<file path=ppt/slides/slide11.xml><?xml version="1.0" encoding="utf-8"?>
+<p:sld xmlns:a="http://schemas.openxmlformats.org/drawingml/2006/main" xmlns:r="http://schemas.openxmlformats.org/officeDocument/2006/relationships" xmlns:p="http://schemas.openxmlformats.org/presentationml/2006/main">
+  <p:cSld>
+    <p:spTree>
+      <p:nvGrpSpPr>
+        <p:cNvPr id="1" name=""/>
+        <p:cNvGrpSpPr/>
+        <p:nvPr/>
+      </p:nvGrpSpPr>
+      <p:grpSpPr>
+        <a:xfrm>
+          <a:off x="0" y="0"/>
+          <a:ext cx="0" cy="0"/>
+          <a:chOff x="0" y="0"/>
+          <a:chExt cx="0" cy="0"/>
+        </a:xfrm>
+      </p:grpSpPr>
+      <p:sp>
+        <p:nvSpPr>
+          <p:cNvPr id="23" name="TextBox 22"/>
+          <p:cNvSpPr txBox="1"/>
+          <p:nvPr/>
+        </p:nvSpPr>
+        <p:spPr>
+          <a:xfrm>
+            <a:off x="4510087" y="3231232"/>
+            <a:ext cx="3171825" cy="522772"/>
+          </a:xfrm>
+          <a:prstGeom prst="rect">
+            <a:avLst/>
+          </a:prstGeom>
+          <a:noFill/>
+        </p:spPr>
+        <p:txBody>
+          <a:bodyPr wrap="square">
+            <a:spAutoFit/>
+          </a:bodyPr>
+          <a:lstStyle/>
+          <a:p>
+            <a:pPr algn="dist">
+              <a:lnSpc>
+                <a:spcPct val="120000"/>
+              </a:lnSpc>
+              <a:defRPr/>
+            </a:pPr>
+            <a:r>
+              <a:rPr lang="ko-KR" altLang="en-US" sz="2400">
+                <a:ln w="9525">
+                  <a:solidFill>
+                    <a:schemeClr val="accent1">
+                      <a:lumMod val="75000"/>
+                      <a:alpha val="30000"/>
+                    </a:schemeClr>
+                  </a:solidFill>
+                </a:ln>
+                <a:solidFill>
+                  <a:schemeClr val="accent1">
+                    <a:lumMod val="75000"/>
+                  </a:schemeClr>
+                </a:solidFill>
+                <a:latin typeface="바탕"/>
+                <a:ea typeface="바탕"/>
+              </a:rPr>
+              <a:t>감사합니다</a:t>
+            </a:r>
+            <a:endParaRPr lang="en-US" altLang="ko-KR" sz="2400">
+              <a:ln w="9525">
+                <a:solidFill>
+                  <a:schemeClr val="accent1">
+                    <a:lumMod val="75000"/>
+                    <a:alpha val="30000"/>
+                  </a:schemeClr>
+                </a:solidFill>
+              </a:ln>
+              <a:solidFill>
+                <a:schemeClr val="accent1">
+                  <a:lumMod val="75000"/>
+                </a:schemeClr>
+              </a:solidFill>
+              <a:latin typeface="바탕"/>
+              <a:ea typeface="바탕"/>
+            </a:endParaRPr>
+          </a:p>
+        </p:txBody>
+      </p:sp>
+      <p:sp>
+        <p:nvSpPr>
+          <p:cNvPr id="4" name="직사각형 3">
+            <a:extLst>
+              <a:ext uri="{FF2B5EF4-FFF2-40B4-BE49-F238E27FC236}">
+                <a16:creationId xmlns:a16="http://schemas.microsoft.com/office/drawing/2014/main" id="{62D81A71-8E45-4CFC-B2CD-A96D588AB65A}"/>
+              </a:ext>
+            </a:extLst>
+          </p:cNvPr>
+          <p:cNvSpPr/>
+          <p:nvPr/>
+        </p:nvSpPr>
+        <p:spPr>
+          <a:xfrm>
+            <a:off x="4382219" y="1549799"/>
+            <a:ext cx="3392051" cy="3841710"/>
+          </a:xfrm>
+          <a:prstGeom prst="rect">
+            <a:avLst/>
+          </a:prstGeom>
+          <a:noFill/>
+          <a:effectLst>
+            <a:innerShdw blurRad="63500" dist="50800">
+              <a:prstClr val="black">
+                <a:alpha val="50000"/>
+              </a:prstClr>
+            </a:innerShdw>
+          </a:effectLst>
+        </p:spPr>
+        <p:style>
+          <a:lnRef idx="2">
+            <a:schemeClr val="accent1">
+              <a:shade val="50000"/>
+            </a:schemeClr>
+          </a:lnRef>
+          <a:fillRef idx="1">
+            <a:schemeClr val="accent1"/>
+          </a:fillRef>
+          <a:effectRef idx="0">
+            <a:schemeClr val="accent1"/>
+          </a:effectRef>
+          <a:fontRef idx="minor">
+            <a:schemeClr val="lt1"/>
+          </a:fontRef>
+        </p:style>
+        <p:txBody>
+          <a:bodyPr rtlCol="0" anchor="ctr"/>
+          <a:lstStyle/>
+          <a:p>
+            <a:pPr algn="ctr"/>
+            <a:endParaRPr lang="ko-KR" altLang="en-US" dirty="0"/>
+          </a:p>
+        </p:txBody>
+      </p:sp>
+    </p:spTree>
+  </p:cSld>
+  <p:clrMapOvr>
+    <a:masterClrMapping/>
+  </p:clrMapOvr>
+  <mc:AlternateContent xmlns:mc="http://schemas.openxmlformats.org/markup-compatibility/2006" xmlns:p14="http://schemas.microsoft.com/office/powerpoint/2010/main">
+    <mc:Choice Requires="p14">
+      <p:transition/>
+    </mc:Choice>
+    <mc:Fallback xmlns="" xmlns:c="http://schemas.openxmlformats.org/drawingml/2006/chart" xmlns:dgm="http://schemas.openxmlformats.org/drawingml/2006/diagram" xmlns:dsp="http://schemas.microsoft.com/office/drawing/2008/diagram">
+      <p:transition/>
+    </mc:Fallback>
+  </mc:AlternateContent>
+</p:sld>
+</file>
+
 <file path=ppt/slides/slide2.xml><?xml version="1.0" encoding="utf-8"?>
 <p:sld xmlns:a="http://schemas.openxmlformats.org/drawingml/2006/main" xmlns:r="http://schemas.openxmlformats.org/officeDocument/2006/relationships" xmlns:p="http://schemas.openxmlformats.org/presentationml/2006/main">
   <p:cSld>
@@ -5439,6 +6723,494 @@
         </p:nvSpPr>
         <p:spPr>
           <a:xfrm>
+            <a:off x="0" y="0"/>
+            <a:ext cx="12192000" cy="914400"/>
+          </a:xfrm>
+          <a:prstGeom prst="rect">
+            <a:avLst/>
+          </a:prstGeom>
+          <a:gradFill flip="none" rotWithShape="1">
+            <a:gsLst>
+              <a:gs pos="43000">
+                <a:srgbClr val="EA637C"/>
+              </a:gs>
+              <a:gs pos="0">
+                <a:schemeClr val="accent1"/>
+              </a:gs>
+              <a:gs pos="100000">
+                <a:schemeClr val="accent3"/>
+              </a:gs>
+            </a:gsLst>
+            <a:lin ang="0" scaled="1"/>
+            <a:tileRect/>
+          </a:gradFill>
+          <a:ln>
+            <a:noFill/>
+          </a:ln>
+        </p:spPr>
+        <p:style>
+          <a:lnRef idx="2">
+            <a:schemeClr val="accent1">
+              <a:shade val="50000"/>
+            </a:schemeClr>
+          </a:lnRef>
+          <a:fillRef idx="1">
+            <a:schemeClr val="accent1"/>
+          </a:fillRef>
+          <a:effectRef idx="0">
+            <a:schemeClr val="accent1"/>
+          </a:effectRef>
+          <a:fontRef idx="minor">
+            <a:schemeClr val="lt1"/>
+          </a:fontRef>
+        </p:style>
+        <p:txBody>
+          <a:bodyPr anchor="ctr"/>
+          <a:lstStyle/>
+          <a:p>
+            <a:pPr algn="ctr">
+              <a:defRPr/>
+            </a:pPr>
+            <a:endParaRPr lang="ko-KR" altLang="en-US"/>
+          </a:p>
+        </p:txBody>
+      </p:sp>
+      <p:sp>
+        <p:nvSpPr>
+          <p:cNvPr id="13" name="타원 12"/>
+          <p:cNvSpPr/>
+          <p:nvPr/>
+        </p:nvSpPr>
+        <p:spPr>
+          <a:xfrm>
+            <a:off x="1313671" y="2962591"/>
+            <a:ext cx="631437" cy="631437"/>
+          </a:xfrm>
+          <a:prstGeom prst="ellipse">
+            <a:avLst/>
+          </a:prstGeom>
+          <a:ln>
+            <a:noFill/>
+          </a:ln>
+        </p:spPr>
+        <p:style>
+          <a:lnRef idx="2">
+            <a:schemeClr val="accent1">
+              <a:shade val="50000"/>
+            </a:schemeClr>
+          </a:lnRef>
+          <a:fillRef idx="1">
+            <a:schemeClr val="accent1"/>
+          </a:fillRef>
+          <a:effectRef idx="0">
+            <a:schemeClr val="accent1"/>
+          </a:effectRef>
+          <a:fontRef idx="minor">
+            <a:schemeClr val="lt1"/>
+          </a:fontRef>
+        </p:style>
+        <p:txBody>
+          <a:bodyPr anchor="ctr"/>
+          <a:lstStyle/>
+          <a:p>
+            <a:pPr algn="ctr">
+              <a:defRPr/>
+            </a:pPr>
+            <a:r>
+              <a:rPr lang="en-US" altLang="ko-KR" sz="1400" b="1" dirty="0">
+                <a:ln w="9525">
+                  <a:solidFill>
+                    <a:schemeClr val="bg1">
+                      <a:alpha val="30000"/>
+                    </a:schemeClr>
+                  </a:solidFill>
+                </a:ln>
+                <a:latin typeface="바탕"/>
+                <a:ea typeface="바탕"/>
+              </a:rPr>
+              <a:t>02</a:t>
+            </a:r>
+            <a:endParaRPr lang="ko-KR" altLang="en-US" sz="1400" b="1" dirty="0">
+              <a:ln w="9525">
+                <a:solidFill>
+                  <a:schemeClr val="bg1">
+                    <a:alpha val="30000"/>
+                  </a:schemeClr>
+                </a:solidFill>
+              </a:ln>
+              <a:latin typeface="바탕"/>
+              <a:ea typeface="바탕"/>
+            </a:endParaRPr>
+          </a:p>
+        </p:txBody>
+      </p:sp>
+      <p:sp>
+        <p:nvSpPr>
+          <p:cNvPr id="15" name="TextBox 14"/>
+          <p:cNvSpPr txBox="1"/>
+          <p:nvPr/>
+        </p:nvSpPr>
+        <p:spPr>
+          <a:xfrm>
+            <a:off x="1996864" y="3078254"/>
+            <a:ext cx="2188548" cy="400110"/>
+          </a:xfrm>
+          <a:prstGeom prst="rect">
+            <a:avLst/>
+          </a:prstGeom>
+          <a:noFill/>
+        </p:spPr>
+        <p:txBody>
+          <a:bodyPr wrap="square">
+            <a:spAutoFit/>
+          </a:bodyPr>
+          <a:lstStyle/>
+          <a:p>
+            <a:pPr algn="ctr">
+              <a:defRPr/>
+            </a:pPr>
+            <a:r>
+              <a:rPr lang="en-US" altLang="ko-KR" sz="2000" b="1" dirty="0">
+                <a:ln w="9525">
+                  <a:solidFill>
+                    <a:schemeClr val="accent1">
+                      <a:alpha val="30000"/>
+                    </a:schemeClr>
+                  </a:solidFill>
+                </a:ln>
+                <a:gradFill flip="none" rotWithShape="1">
+                  <a:gsLst>
+                    <a:gs pos="0">
+                      <a:schemeClr val="accent4"/>
+                    </a:gs>
+                    <a:gs pos="63000">
+                      <a:schemeClr val="accent1"/>
+                    </a:gs>
+                  </a:gsLst>
+                  <a:path path="circle">
+                    <a:fillToRect r="100000" b="100000"/>
+                  </a:path>
+                  <a:tileRect l="-100000" t="-100000"/>
+                </a:gradFill>
+                <a:latin typeface="바탕"/>
+                <a:ea typeface="바탕"/>
+              </a:rPr>
+              <a:t>TMI : </a:t>
+            </a:r>
+            <a:r>
+              <a:rPr lang="ko-KR" altLang="en-US" sz="2000" b="1" dirty="0">
+                <a:ln w="9525">
+                  <a:solidFill>
+                    <a:schemeClr val="accent1">
+                      <a:alpha val="30000"/>
+                    </a:schemeClr>
+                  </a:solidFill>
+                </a:ln>
+                <a:gradFill flip="none" rotWithShape="1">
+                  <a:gsLst>
+                    <a:gs pos="0">
+                      <a:schemeClr val="accent4"/>
+                    </a:gs>
+                    <a:gs pos="63000">
+                      <a:schemeClr val="accent1"/>
+                    </a:gs>
+                  </a:gsLst>
+                  <a:path path="circle">
+                    <a:fillToRect r="100000" b="100000"/>
+                  </a:path>
+                  <a:tileRect l="-100000" t="-100000"/>
+                </a:gradFill>
+                <a:latin typeface="바탕"/>
+                <a:ea typeface="바탕"/>
+              </a:rPr>
+              <a:t>그 외 활동</a:t>
+            </a:r>
+          </a:p>
+        </p:txBody>
+      </p:sp>
+      <p:sp>
+        <p:nvSpPr>
+          <p:cNvPr id="21" name="TextBox 20">
+            <a:extLst>
+              <a:ext uri="{FF2B5EF4-FFF2-40B4-BE49-F238E27FC236}">
+                <a16:creationId xmlns:a16="http://schemas.microsoft.com/office/drawing/2014/main" id="{C4A498E5-E94A-4976-A51A-0B1702D16F90}"/>
+              </a:ext>
+            </a:extLst>
+          </p:cNvPr>
+          <p:cNvSpPr txBox="1"/>
+          <p:nvPr/>
+        </p:nvSpPr>
+        <p:spPr>
+          <a:xfrm>
+            <a:off x="3281363" y="455203"/>
+            <a:ext cx="5629275" cy="412870"/>
+          </a:xfrm>
+          <a:prstGeom prst="rect">
+            <a:avLst/>
+          </a:prstGeom>
+          <a:noFill/>
+        </p:spPr>
+        <p:txBody>
+          <a:bodyPr wrap="square">
+            <a:spAutoFit/>
+          </a:bodyPr>
+          <a:lstStyle/>
+          <a:p>
+            <a:pPr algn="dist">
+              <a:lnSpc>
+                <a:spcPct val="120000"/>
+              </a:lnSpc>
+              <a:defRPr/>
+            </a:pPr>
+            <a:r>
+              <a:rPr lang="en-US" altLang="ko-KR" sz="2000" dirty="0">
+                <a:ln w="9525">
+                  <a:solidFill>
+                    <a:schemeClr val="bg1">
+                      <a:alpha val="30000"/>
+                    </a:schemeClr>
+                  </a:solidFill>
+                </a:ln>
+                <a:solidFill>
+                  <a:schemeClr val="bg1"/>
+                </a:solidFill>
+                <a:latin typeface="바탕"/>
+                <a:ea typeface="바탕"/>
+              </a:rPr>
+              <a:t>2020.04.02(</a:t>
+            </a:r>
+            <a:r>
+              <a:rPr lang="ko-KR" altLang="en-US" sz="2000" dirty="0">
+                <a:ln w="9525">
+                  <a:solidFill>
+                    <a:schemeClr val="bg1">
+                      <a:alpha val="30000"/>
+                    </a:schemeClr>
+                  </a:solidFill>
+                </a:ln>
+                <a:solidFill>
+                  <a:schemeClr val="bg1"/>
+                </a:solidFill>
+                <a:latin typeface="바탕"/>
+                <a:ea typeface="바탕"/>
+              </a:rPr>
+              <a:t>목</a:t>
+            </a:r>
+            <a:r>
+              <a:rPr lang="en-US" altLang="ko-KR" sz="2000" dirty="0">
+                <a:ln w="9525">
+                  <a:solidFill>
+                    <a:schemeClr val="bg1">
+                      <a:alpha val="30000"/>
+                    </a:schemeClr>
+                  </a:solidFill>
+                </a:ln>
+                <a:solidFill>
+                  <a:schemeClr val="bg1"/>
+                </a:solidFill>
+                <a:latin typeface="바탕"/>
+                <a:ea typeface="바탕"/>
+              </a:rPr>
+              <a:t>)~2020.04.08(</a:t>
+            </a:r>
+            <a:r>
+              <a:rPr lang="ko-KR" altLang="en-US" sz="2000" dirty="0">
+                <a:ln w="9525">
+                  <a:solidFill>
+                    <a:schemeClr val="bg1">
+                      <a:alpha val="30000"/>
+                    </a:schemeClr>
+                  </a:solidFill>
+                </a:ln>
+                <a:solidFill>
+                  <a:schemeClr val="bg1"/>
+                </a:solidFill>
+                <a:latin typeface="바탕"/>
+                <a:ea typeface="바탕"/>
+              </a:rPr>
+              <a:t>수</a:t>
+            </a:r>
+            <a:r>
+              <a:rPr lang="en-US" altLang="ko-KR" sz="2000" dirty="0">
+                <a:ln w="9525">
+                  <a:solidFill>
+                    <a:schemeClr val="bg1">
+                      <a:alpha val="30000"/>
+                    </a:schemeClr>
+                  </a:solidFill>
+                </a:ln>
+                <a:solidFill>
+                  <a:schemeClr val="bg1"/>
+                </a:solidFill>
+                <a:latin typeface="바탕"/>
+                <a:ea typeface="바탕"/>
+              </a:rPr>
+              <a:t>)</a:t>
+            </a:r>
+            <a:endParaRPr lang="ko-KR" altLang="en-US" sz="2000" dirty="0">
+              <a:ln w="9525">
+                <a:solidFill>
+                  <a:schemeClr val="bg1">
+                    <a:alpha val="30000"/>
+                  </a:schemeClr>
+                </a:solidFill>
+              </a:ln>
+              <a:solidFill>
+                <a:schemeClr val="bg1"/>
+              </a:solidFill>
+              <a:latin typeface="바탕"/>
+              <a:ea typeface="바탕"/>
+            </a:endParaRPr>
+          </a:p>
+        </p:txBody>
+      </p:sp>
+      <p:pic>
+        <p:nvPicPr>
+          <p:cNvPr id="4" name="그림 3">
+            <a:extLst>
+              <a:ext uri="{FF2B5EF4-FFF2-40B4-BE49-F238E27FC236}">
+                <a16:creationId xmlns:a16="http://schemas.microsoft.com/office/drawing/2014/main" id="{C85E5916-BE2A-45D1-B6D7-7CED9C166B4A}"/>
+              </a:ext>
+            </a:extLst>
+          </p:cNvPr>
+          <p:cNvPicPr>
+            <a:picLocks noChangeAspect="1"/>
+          </p:cNvPicPr>
+          <p:nvPr/>
+        </p:nvPicPr>
+        <p:blipFill>
+          <a:blip r:embed="rId2">
+            <a:extLst>
+              <a:ext uri="{28A0092B-C50C-407E-A947-70E740481C1C}">
+                <a14:useLocalDpi xmlns:a14="http://schemas.microsoft.com/office/drawing/2010/main" val="0"/>
+              </a:ext>
+            </a:extLst>
+          </a:blip>
+          <a:stretch>
+            <a:fillRect/>
+          </a:stretch>
+        </p:blipFill>
+        <p:spPr>
+          <a:xfrm>
+            <a:off x="4856671" y="1523364"/>
+            <a:ext cx="7222331" cy="5075985"/>
+          </a:xfrm>
+          <a:prstGeom prst="rect">
+            <a:avLst/>
+          </a:prstGeom>
+        </p:spPr>
+      </p:pic>
+      <p:sp>
+        <p:nvSpPr>
+          <p:cNvPr id="24" name="TextBox 23">
+            <a:extLst>
+              <a:ext uri="{FF2B5EF4-FFF2-40B4-BE49-F238E27FC236}">
+                <a16:creationId xmlns:a16="http://schemas.microsoft.com/office/drawing/2014/main" id="{15A23D5B-B5D9-4F17-AC2C-3499FF40C068}"/>
+              </a:ext>
+            </a:extLst>
+          </p:cNvPr>
+          <p:cNvSpPr txBox="1"/>
+          <p:nvPr/>
+        </p:nvSpPr>
+        <p:spPr>
+          <a:xfrm>
+            <a:off x="1996864" y="3805501"/>
+            <a:ext cx="3358671" cy="713272"/>
+          </a:xfrm>
+          <a:prstGeom prst="rect">
+            <a:avLst/>
+          </a:prstGeom>
+          <a:noFill/>
+        </p:spPr>
+        <p:txBody>
+          <a:bodyPr wrap="square" anchor="b">
+            <a:spAutoFit/>
+          </a:bodyPr>
+          <a:lstStyle/>
+          <a:p>
+            <a:pPr marL="285750" indent="-285750">
+              <a:lnSpc>
+                <a:spcPct val="120000"/>
+              </a:lnSpc>
+              <a:buFont typeface="Arial" panose="020B0604020202020204" pitchFamily="34" charset="0"/>
+              <a:buChar char="•"/>
+              <a:defRPr/>
+            </a:pPr>
+            <a:r>
+              <a:rPr lang="ko-KR" altLang="en-US" dirty="0">
+                <a:solidFill>
+                  <a:schemeClr val="tx1">
+                    <a:lumMod val="50000"/>
+                    <a:lumOff val="50000"/>
+                  </a:schemeClr>
+                </a:solidFill>
+                <a:latin typeface="바탕"/>
+                <a:ea typeface="바탕"/>
+              </a:rPr>
+              <a:t>소설을 쓰고 있습니다</a:t>
+            </a:r>
+            <a:r>
+              <a:rPr lang="en-US" altLang="ko-KR" dirty="0">
+                <a:solidFill>
+                  <a:schemeClr val="tx1">
+                    <a:lumMod val="50000"/>
+                    <a:lumOff val="50000"/>
+                  </a:schemeClr>
+                </a:solidFill>
+                <a:latin typeface="바탕"/>
+                <a:ea typeface="바탕"/>
+              </a:rPr>
+              <a:t>… (~4/10)</a:t>
+            </a:r>
+          </a:p>
+        </p:txBody>
+      </p:sp>
+    </p:spTree>
+    <p:extLst>
+      <p:ext uri="{BB962C8B-B14F-4D97-AF65-F5344CB8AC3E}">
+        <p14:creationId xmlns:p14="http://schemas.microsoft.com/office/powerpoint/2010/main" val="3420224254"/>
+      </p:ext>
+    </p:extLst>
+  </p:cSld>
+  <p:clrMapOvr>
+    <a:masterClrMapping/>
+  </p:clrMapOvr>
+  <mc:AlternateContent xmlns:mc="http://schemas.openxmlformats.org/markup-compatibility/2006" xmlns:p14="http://schemas.microsoft.com/office/powerpoint/2010/main">
+    <mc:Choice Requires="p14">
+      <p:transition/>
+    </mc:Choice>
+    <mc:Fallback xmlns="" xmlns:c="http://schemas.openxmlformats.org/drawingml/2006/chart" xmlns:dgm="http://schemas.openxmlformats.org/drawingml/2006/diagram" xmlns:dsp="http://schemas.microsoft.com/office/drawing/2008/diagram">
+      <p:transition/>
+    </mc:Fallback>
+  </mc:AlternateContent>
+</p:sld>
+</file>
+
+<file path=ppt/slides/slide6.xml><?xml version="1.0" encoding="utf-8"?>
+<p:sld xmlns:a="http://schemas.openxmlformats.org/drawingml/2006/main" xmlns:r="http://schemas.openxmlformats.org/officeDocument/2006/relationships" xmlns:p="http://schemas.openxmlformats.org/presentationml/2006/main">
+  <p:cSld>
+    <p:spTree>
+      <p:nvGrpSpPr>
+        <p:cNvPr id="1" name=""/>
+        <p:cNvGrpSpPr/>
+        <p:nvPr/>
+      </p:nvGrpSpPr>
+      <p:grpSpPr>
+        <a:xfrm>
+          <a:off x="0" y="0"/>
+          <a:ext cx="0" cy="0"/>
+          <a:chOff x="0" y="0"/>
+          <a:chExt cx="0" cy="0"/>
+        </a:xfrm>
+      </p:grpSpPr>
+      <p:sp>
+        <p:nvSpPr>
+          <p:cNvPr id="4914" name="직사각형 4913"/>
+          <p:cNvSpPr/>
+          <p:nvPr/>
+        </p:nvSpPr>
+        <p:spPr>
+          <a:xfrm>
             <a:off x="0" y="-25879"/>
             <a:ext cx="12192000" cy="914400"/>
           </a:xfrm>
@@ -5550,7 +7322,7 @@
                 <a:latin typeface="바탕"/>
                 <a:ea typeface="바탕"/>
               </a:rPr>
-              <a:t>02</a:t>
+              <a:t>03</a:t>
             </a:r>
             <a:endParaRPr lang="ko-KR" altLang="en-US" sz="1400" b="1" dirty="0">
               <a:ln w="9525">
@@ -6074,8 +7846,8 @@
           </a:p>
         </p:txBody>
       </p:sp>
-      <mc:AlternateContent xmlns:mc="http://schemas.openxmlformats.org/markup-compatibility/2006">
-        <mc:Choice xmlns:p14="http://schemas.microsoft.com/office/powerpoint/2010/main" Requires="p14">
+      <mc:AlternateContent xmlns:mc="http://schemas.openxmlformats.org/markup-compatibility/2006" xmlns:p14="http://schemas.microsoft.com/office/powerpoint/2010/main">
+        <mc:Choice Requires="p14">
           <p:contentPart p14:bwMode="auto" r:id="rId2">
             <p14:nvContentPartPr>
               <p14:cNvPr id="12" name="잉크 11">
@@ -6094,7 +7866,7 @@
             </p14:xfrm>
           </p:contentPart>
         </mc:Choice>
-        <mc:Fallback>
+        <mc:Fallback xmlns="">
           <p:pic>
             <p:nvPicPr>
               <p:cNvPr id="12" name="잉크 11">
@@ -6220,280 +7992,6 @@
 </p:sld>
 </file>
 
-<file path=ppt/slides/slide6.xml><?xml version="1.0" encoding="utf-8"?>
-<p:sld xmlns:a="http://schemas.openxmlformats.org/drawingml/2006/main" xmlns:r="http://schemas.openxmlformats.org/officeDocument/2006/relationships" xmlns:p="http://schemas.openxmlformats.org/presentationml/2006/main">
-  <p:cSld>
-    <p:spTree>
-      <p:nvGrpSpPr>
-        <p:cNvPr id="1" name=""/>
-        <p:cNvGrpSpPr/>
-        <p:nvPr/>
-      </p:nvGrpSpPr>
-      <p:grpSpPr>
-        <a:xfrm>
-          <a:off x="0" y="0"/>
-          <a:ext cx="0" cy="0"/>
-          <a:chOff x="0" y="0"/>
-          <a:chExt cx="0" cy="0"/>
-        </a:xfrm>
-      </p:grpSpPr>
-      <p:sp>
-        <p:nvSpPr>
-          <p:cNvPr id="11" name="TextBox 10">
-            <a:extLst>
-              <a:ext uri="{FF2B5EF4-FFF2-40B4-BE49-F238E27FC236}">
-                <a16:creationId xmlns:a16="http://schemas.microsoft.com/office/drawing/2014/main" id="{085D09EB-7001-42E4-AE65-E1A6A9EE7B2F}"/>
-              </a:ext>
-            </a:extLst>
-          </p:cNvPr>
-          <p:cNvSpPr txBox="1"/>
-          <p:nvPr/>
-        </p:nvSpPr>
-        <p:spPr>
-          <a:xfrm>
-            <a:off x="575257" y="492825"/>
-            <a:ext cx="1929222" cy="380873"/>
-          </a:xfrm>
-          <a:prstGeom prst="rect">
-            <a:avLst/>
-          </a:prstGeom>
-          <a:noFill/>
-        </p:spPr>
-        <p:txBody>
-          <a:bodyPr wrap="square" anchor="b">
-            <a:spAutoFit/>
-          </a:bodyPr>
-          <a:lstStyle/>
-          <a:p>
-            <a:pPr marL="285750" indent="-285750">
-              <a:lnSpc>
-                <a:spcPct val="120000"/>
-              </a:lnSpc>
-              <a:buFont typeface="Arial" panose="020B0604020202020204" pitchFamily="34" charset="0"/>
-              <a:buChar char="•"/>
-              <a:defRPr/>
-            </a:pPr>
-            <a:r>
-              <a:rPr lang="en-US" altLang="ko-KR" dirty="0">
-                <a:solidFill>
-                  <a:schemeClr val="tx1">
-                    <a:lumMod val="50000"/>
-                    <a:lumOff val="50000"/>
-                  </a:schemeClr>
-                </a:solidFill>
-                <a:latin typeface="바탕"/>
-                <a:ea typeface="바탕"/>
-              </a:rPr>
-              <a:t>2DOF</a:t>
-            </a:r>
-          </a:p>
-        </p:txBody>
-      </p:sp>
-      <p:pic>
-        <p:nvPicPr>
-          <p:cNvPr id="3" name="그림 2">
-            <a:extLst>
-              <a:ext uri="{FF2B5EF4-FFF2-40B4-BE49-F238E27FC236}">
-                <a16:creationId xmlns:a16="http://schemas.microsoft.com/office/drawing/2014/main" id="{1816FB32-1882-48CE-8843-38DDA16968AB}"/>
-              </a:ext>
-            </a:extLst>
-          </p:cNvPr>
-          <p:cNvPicPr>
-            <a:picLocks noChangeAspect="1"/>
-          </p:cNvPicPr>
-          <p:nvPr/>
-        </p:nvPicPr>
-        <p:blipFill>
-          <a:blip r:embed="rId2">
-            <a:extLst>
-              <a:ext uri="{28A0092B-C50C-407E-A947-70E740481C1C}">
-                <a14:useLocalDpi xmlns:a14="http://schemas.microsoft.com/office/drawing/2010/main" val="0"/>
-              </a:ext>
-            </a:extLst>
-          </a:blip>
-          <a:stretch>
-            <a:fillRect/>
-          </a:stretch>
-        </p:blipFill>
-        <p:spPr>
-          <a:xfrm>
-            <a:off x="1812347" y="57438"/>
-            <a:ext cx="5115825" cy="6800562"/>
-          </a:xfrm>
-          <a:prstGeom prst="rect">
-            <a:avLst/>
-          </a:prstGeom>
-        </p:spPr>
-      </p:pic>
-      <p:pic>
-        <p:nvPicPr>
-          <p:cNvPr id="5" name="그림 4">
-            <a:extLst>
-              <a:ext uri="{FF2B5EF4-FFF2-40B4-BE49-F238E27FC236}">
-                <a16:creationId xmlns:a16="http://schemas.microsoft.com/office/drawing/2014/main" id="{15EA97A4-38ED-4F89-A9A1-F911B27427A8}"/>
-              </a:ext>
-            </a:extLst>
-          </p:cNvPr>
-          <p:cNvPicPr>
-            <a:picLocks noChangeAspect="1"/>
-          </p:cNvPicPr>
-          <p:nvPr/>
-        </p:nvPicPr>
-        <p:blipFill>
-          <a:blip r:embed="rId3">
-            <a:extLst>
-              <a:ext uri="{28A0092B-C50C-407E-A947-70E740481C1C}">
-                <a14:useLocalDpi xmlns:a14="http://schemas.microsoft.com/office/drawing/2010/main" val="0"/>
-              </a:ext>
-            </a:extLst>
-          </a:blip>
-          <a:stretch>
-            <a:fillRect/>
-          </a:stretch>
-        </p:blipFill>
-        <p:spPr>
-          <a:xfrm>
-            <a:off x="6495658" y="2289023"/>
-            <a:ext cx="5696342" cy="2697756"/>
-          </a:xfrm>
-          <a:prstGeom prst="rect">
-            <a:avLst/>
-          </a:prstGeom>
-        </p:spPr>
-      </p:pic>
-      <p:sp>
-        <p:nvSpPr>
-          <p:cNvPr id="9" name="TextBox 8">
-            <a:extLst>
-              <a:ext uri="{FF2B5EF4-FFF2-40B4-BE49-F238E27FC236}">
-                <a16:creationId xmlns:a16="http://schemas.microsoft.com/office/drawing/2014/main" id="{246B98A1-83B3-457D-8713-8D256FE43B5B}"/>
-              </a:ext>
-            </a:extLst>
-          </p:cNvPr>
-          <p:cNvSpPr txBox="1"/>
-          <p:nvPr/>
-        </p:nvSpPr>
-        <p:spPr>
-          <a:xfrm>
-            <a:off x="6580410" y="1460688"/>
-            <a:ext cx="4090732" cy="380873"/>
-          </a:xfrm>
-          <a:prstGeom prst="rect">
-            <a:avLst/>
-          </a:prstGeom>
-          <a:noFill/>
-        </p:spPr>
-        <p:txBody>
-          <a:bodyPr wrap="square" anchor="b">
-            <a:spAutoFit/>
-          </a:bodyPr>
-          <a:lstStyle/>
-          <a:p>
-            <a:pPr>
-              <a:lnSpc>
-                <a:spcPct val="120000"/>
-              </a:lnSpc>
-              <a:defRPr/>
-            </a:pPr>
-            <a:r>
-              <a:rPr lang="ko-KR" altLang="en-US" dirty="0">
-                <a:solidFill>
-                  <a:schemeClr val="tx1">
-                    <a:lumMod val="50000"/>
-                    <a:lumOff val="50000"/>
-                  </a:schemeClr>
-                </a:solidFill>
-                <a:latin typeface="바탕"/>
-                <a:ea typeface="바탕"/>
-              </a:rPr>
-              <a:t>밥 먹을 때마다 조금씩</a:t>
-            </a:r>
-            <a:r>
-              <a:rPr lang="en-US" altLang="ko-KR" dirty="0">
-                <a:solidFill>
-                  <a:schemeClr val="tx1">
-                    <a:lumMod val="50000"/>
-                    <a:lumOff val="50000"/>
-                  </a:schemeClr>
-                </a:solidFill>
-                <a:latin typeface="바탕"/>
-                <a:ea typeface="바탕"/>
-              </a:rPr>
-              <a:t>… </a:t>
-            </a:r>
-            <a:r>
-              <a:rPr lang="ko-KR" altLang="en-US" dirty="0">
-                <a:solidFill>
-                  <a:schemeClr val="tx1">
-                    <a:lumMod val="50000"/>
-                    <a:lumOff val="50000"/>
-                  </a:schemeClr>
-                </a:solidFill>
-                <a:latin typeface="바탕"/>
-                <a:ea typeface="바탕"/>
-              </a:rPr>
-              <a:t>봤습니다</a:t>
-            </a:r>
-            <a:r>
-              <a:rPr lang="en-US" altLang="ko-KR" dirty="0">
-                <a:solidFill>
-                  <a:schemeClr val="tx1">
-                    <a:lumMod val="50000"/>
-                    <a:lumOff val="50000"/>
-                  </a:schemeClr>
-                </a:solidFill>
-                <a:latin typeface="바탕"/>
-                <a:ea typeface="바탕"/>
-              </a:rPr>
-              <a:t>…</a:t>
-            </a:r>
-            <a:r>
-              <a:rPr lang="ko-KR" altLang="en-US" dirty="0">
-                <a:solidFill>
-                  <a:schemeClr val="tx1">
-                    <a:lumMod val="50000"/>
-                    <a:lumOff val="50000"/>
-                  </a:schemeClr>
-                </a:solidFill>
-                <a:latin typeface="바탕"/>
-                <a:ea typeface="바탕"/>
-              </a:rPr>
-              <a:t> </a:t>
-            </a:r>
-            <a:endParaRPr lang="en-US" altLang="ko-KR" dirty="0">
-              <a:solidFill>
-                <a:schemeClr val="tx1">
-                  <a:lumMod val="50000"/>
-                  <a:lumOff val="50000"/>
-                </a:schemeClr>
-              </a:solidFill>
-              <a:latin typeface="바탕"/>
-              <a:ea typeface="바탕"/>
-            </a:endParaRPr>
-          </a:p>
-        </p:txBody>
-      </p:sp>
-    </p:spTree>
-    <p:extLst>
-      <p:ext uri="{BB962C8B-B14F-4D97-AF65-F5344CB8AC3E}">
-        <p14:creationId xmlns:p14="http://schemas.microsoft.com/office/powerpoint/2010/main" val="1737181244"/>
-      </p:ext>
-    </p:extLst>
-  </p:cSld>
-  <p:clrMapOvr>
-    <a:masterClrMapping/>
-  </p:clrMapOvr>
-  <mc:AlternateContent xmlns:mc="http://schemas.openxmlformats.org/markup-compatibility/2006" xmlns:p14="http://schemas.microsoft.com/office/powerpoint/2010/main">
-    <mc:Choice Requires="p14">
-      <p:transition/>
-    </mc:Choice>
-    <mc:Fallback xmlns="" xmlns:c="http://schemas.openxmlformats.org/drawingml/2006/chart" xmlns:dgm="http://schemas.openxmlformats.org/drawingml/2006/diagram" xmlns:dsp="http://schemas.microsoft.com/office/drawing/2008/diagram">
-      <p:transition/>
-    </mc:Fallback>
-  </mc:AlternateContent>
-</p:sld>
-</file>
-
 <file path=ppt/slides/slide7.xml><?xml version="1.0" encoding="utf-8"?>
 <p:sld xmlns:a="http://schemas.openxmlformats.org/drawingml/2006/main" xmlns:r="http://schemas.openxmlformats.org/officeDocument/2006/relationships" xmlns:p="http://schemas.openxmlformats.org/presentationml/2006/main">
   <p:cSld>
@@ -6513,405 +8011,20 @@
       </p:grpSpPr>
       <p:sp>
         <p:nvSpPr>
-          <p:cNvPr id="4914" name="직사각형 4913"/>
-          <p:cNvSpPr/>
+          <p:cNvPr id="11" name="TextBox 10">
+            <a:extLst>
+              <a:ext uri="{FF2B5EF4-FFF2-40B4-BE49-F238E27FC236}">
+                <a16:creationId xmlns:a16="http://schemas.microsoft.com/office/drawing/2014/main" id="{085D09EB-7001-42E4-AE65-E1A6A9EE7B2F}"/>
+              </a:ext>
+            </a:extLst>
+          </p:cNvPr>
+          <p:cNvSpPr txBox="1"/>
           <p:nvPr/>
         </p:nvSpPr>
         <p:spPr>
           <a:xfrm>
-            <a:off x="0" y="0"/>
-            <a:ext cx="12192000" cy="914400"/>
-          </a:xfrm>
-          <a:prstGeom prst="rect">
-            <a:avLst/>
-          </a:prstGeom>
-          <a:gradFill flip="none" rotWithShape="1">
-            <a:gsLst>
-              <a:gs pos="43000">
-                <a:srgbClr val="EA637C"/>
-              </a:gs>
-              <a:gs pos="0">
-                <a:schemeClr val="accent1"/>
-              </a:gs>
-              <a:gs pos="100000">
-                <a:schemeClr val="accent3"/>
-              </a:gs>
-            </a:gsLst>
-            <a:lin ang="0" scaled="1"/>
-            <a:tileRect/>
-          </a:gradFill>
-          <a:ln>
-            <a:noFill/>
-          </a:ln>
-        </p:spPr>
-        <p:style>
-          <a:lnRef idx="2">
-            <a:schemeClr val="accent1">
-              <a:shade val="50000"/>
-            </a:schemeClr>
-          </a:lnRef>
-          <a:fillRef idx="1">
-            <a:schemeClr val="accent1"/>
-          </a:fillRef>
-          <a:effectRef idx="0">
-            <a:schemeClr val="accent1"/>
-          </a:effectRef>
-          <a:fontRef idx="minor">
-            <a:schemeClr val="lt1"/>
-          </a:fontRef>
-        </p:style>
-        <p:txBody>
-          <a:bodyPr anchor="ctr"/>
-          <a:lstStyle/>
-          <a:p>
-            <a:pPr algn="ctr">
-              <a:defRPr/>
-            </a:pPr>
-            <a:endParaRPr lang="ko-KR" altLang="en-US"/>
-          </a:p>
-        </p:txBody>
-      </p:sp>
-      <p:sp>
-        <p:nvSpPr>
-          <p:cNvPr id="13" name="타원 12"/>
-          <p:cNvSpPr/>
-          <p:nvPr/>
-        </p:nvSpPr>
-        <p:spPr>
-          <a:xfrm>
-            <a:off x="1313671" y="2962591"/>
-            <a:ext cx="631437" cy="631437"/>
-          </a:xfrm>
-          <a:prstGeom prst="ellipse">
-            <a:avLst/>
-          </a:prstGeom>
-          <a:ln>
-            <a:noFill/>
-          </a:ln>
-        </p:spPr>
-        <p:style>
-          <a:lnRef idx="2">
-            <a:schemeClr val="accent1">
-              <a:shade val="50000"/>
-            </a:schemeClr>
-          </a:lnRef>
-          <a:fillRef idx="1">
-            <a:schemeClr val="accent1"/>
-          </a:fillRef>
-          <a:effectRef idx="0">
-            <a:schemeClr val="accent1"/>
-          </a:effectRef>
-          <a:fontRef idx="minor">
-            <a:schemeClr val="lt1"/>
-          </a:fontRef>
-        </p:style>
-        <p:txBody>
-          <a:bodyPr anchor="ctr"/>
-          <a:lstStyle/>
-          <a:p>
-            <a:pPr algn="ctr">
-              <a:defRPr/>
-            </a:pPr>
-            <a:r>
-              <a:rPr lang="en-US" altLang="ko-KR" sz="1400" b="1" dirty="0">
-                <a:ln w="9525">
-                  <a:solidFill>
-                    <a:schemeClr val="bg1">
-                      <a:alpha val="30000"/>
-                    </a:schemeClr>
-                  </a:solidFill>
-                </a:ln>
-                <a:latin typeface="바탕"/>
-                <a:ea typeface="바탕"/>
-              </a:rPr>
-              <a:t>03</a:t>
-            </a:r>
-            <a:endParaRPr lang="ko-KR" altLang="en-US" sz="1400" b="1" dirty="0">
-              <a:ln w="9525">
-                <a:solidFill>
-                  <a:schemeClr val="bg1">
-                    <a:alpha val="30000"/>
-                  </a:schemeClr>
-                </a:solidFill>
-              </a:ln>
-              <a:latin typeface="바탕"/>
-              <a:ea typeface="바탕"/>
-            </a:endParaRPr>
-          </a:p>
-        </p:txBody>
-      </p:sp>
-      <p:sp>
-        <p:nvSpPr>
-          <p:cNvPr id="15" name="TextBox 14"/>
-          <p:cNvSpPr txBox="1"/>
-          <p:nvPr/>
-        </p:nvSpPr>
-        <p:spPr>
-          <a:xfrm>
-            <a:off x="1996864" y="3078254"/>
-            <a:ext cx="2188548" cy="400110"/>
-          </a:xfrm>
-          <a:prstGeom prst="rect">
-            <a:avLst/>
-          </a:prstGeom>
-          <a:noFill/>
-        </p:spPr>
-        <p:txBody>
-          <a:bodyPr wrap="square">
-            <a:spAutoFit/>
-          </a:bodyPr>
-          <a:lstStyle/>
-          <a:p>
-            <a:pPr algn="ctr">
-              <a:defRPr/>
-            </a:pPr>
-            <a:r>
-              <a:rPr lang="en-US" altLang="ko-KR" sz="2000" b="1" dirty="0">
-                <a:ln w="9525">
-                  <a:solidFill>
-                    <a:schemeClr val="accent1">
-                      <a:alpha val="30000"/>
-                    </a:schemeClr>
-                  </a:solidFill>
-                </a:ln>
-                <a:gradFill flip="none" rotWithShape="1">
-                  <a:gsLst>
-                    <a:gs pos="0">
-                      <a:schemeClr val="accent4"/>
-                    </a:gs>
-                    <a:gs pos="63000">
-                      <a:schemeClr val="accent1"/>
-                    </a:gs>
-                  </a:gsLst>
-                  <a:path path="circle">
-                    <a:fillToRect r="100000" b="100000"/>
-                  </a:path>
-                  <a:tileRect l="-100000" t="-100000"/>
-                </a:gradFill>
-                <a:latin typeface="바탕"/>
-                <a:ea typeface="바탕"/>
-              </a:rPr>
-              <a:t>TMI : </a:t>
-            </a:r>
-            <a:r>
-              <a:rPr lang="ko-KR" altLang="en-US" sz="2000" b="1" dirty="0">
-                <a:ln w="9525">
-                  <a:solidFill>
-                    <a:schemeClr val="accent1">
-                      <a:alpha val="30000"/>
-                    </a:schemeClr>
-                  </a:solidFill>
-                </a:ln>
-                <a:gradFill flip="none" rotWithShape="1">
-                  <a:gsLst>
-                    <a:gs pos="0">
-                      <a:schemeClr val="accent4"/>
-                    </a:gs>
-                    <a:gs pos="63000">
-                      <a:schemeClr val="accent1"/>
-                    </a:gs>
-                  </a:gsLst>
-                  <a:path path="circle">
-                    <a:fillToRect r="100000" b="100000"/>
-                  </a:path>
-                  <a:tileRect l="-100000" t="-100000"/>
-                </a:gradFill>
-                <a:latin typeface="바탕"/>
-                <a:ea typeface="바탕"/>
-              </a:rPr>
-              <a:t>그 외 활동</a:t>
-            </a:r>
-          </a:p>
-        </p:txBody>
-      </p:sp>
-      <p:sp>
-        <p:nvSpPr>
-          <p:cNvPr id="21" name="TextBox 20">
-            <a:extLst>
-              <a:ext uri="{FF2B5EF4-FFF2-40B4-BE49-F238E27FC236}">
-                <a16:creationId xmlns:a16="http://schemas.microsoft.com/office/drawing/2014/main" id="{C4A498E5-E94A-4976-A51A-0B1702D16F90}"/>
-              </a:ext>
-            </a:extLst>
-          </p:cNvPr>
-          <p:cNvSpPr txBox="1"/>
-          <p:nvPr/>
-        </p:nvSpPr>
-        <p:spPr>
-          <a:xfrm>
-            <a:off x="3281363" y="455203"/>
-            <a:ext cx="5629275" cy="412870"/>
-          </a:xfrm>
-          <a:prstGeom prst="rect">
-            <a:avLst/>
-          </a:prstGeom>
-          <a:noFill/>
-        </p:spPr>
-        <p:txBody>
-          <a:bodyPr wrap="square">
-            <a:spAutoFit/>
-          </a:bodyPr>
-          <a:lstStyle/>
-          <a:p>
-            <a:pPr algn="dist">
-              <a:lnSpc>
-                <a:spcPct val="120000"/>
-              </a:lnSpc>
-              <a:defRPr/>
-            </a:pPr>
-            <a:r>
-              <a:rPr lang="en-US" altLang="ko-KR" sz="2000" dirty="0">
-                <a:ln w="9525">
-                  <a:solidFill>
-                    <a:schemeClr val="bg1">
-                      <a:alpha val="30000"/>
-                    </a:schemeClr>
-                  </a:solidFill>
-                </a:ln>
-                <a:solidFill>
-                  <a:schemeClr val="bg1"/>
-                </a:solidFill>
-                <a:latin typeface="바탕"/>
-                <a:ea typeface="바탕"/>
-              </a:rPr>
-              <a:t>2020.04.02(</a:t>
-            </a:r>
-            <a:r>
-              <a:rPr lang="ko-KR" altLang="en-US" sz="2000" dirty="0">
-                <a:ln w="9525">
-                  <a:solidFill>
-                    <a:schemeClr val="bg1">
-                      <a:alpha val="30000"/>
-                    </a:schemeClr>
-                  </a:solidFill>
-                </a:ln>
-                <a:solidFill>
-                  <a:schemeClr val="bg1"/>
-                </a:solidFill>
-                <a:latin typeface="바탕"/>
-                <a:ea typeface="바탕"/>
-              </a:rPr>
-              <a:t>목</a:t>
-            </a:r>
-            <a:r>
-              <a:rPr lang="en-US" altLang="ko-KR" sz="2000" dirty="0">
-                <a:ln w="9525">
-                  <a:solidFill>
-                    <a:schemeClr val="bg1">
-                      <a:alpha val="30000"/>
-                    </a:schemeClr>
-                  </a:solidFill>
-                </a:ln>
-                <a:solidFill>
-                  <a:schemeClr val="bg1"/>
-                </a:solidFill>
-                <a:latin typeface="바탕"/>
-                <a:ea typeface="바탕"/>
-              </a:rPr>
-              <a:t>)~2020.04.08(</a:t>
-            </a:r>
-            <a:r>
-              <a:rPr lang="ko-KR" altLang="en-US" sz="2000" dirty="0">
-                <a:ln w="9525">
-                  <a:solidFill>
-                    <a:schemeClr val="bg1">
-                      <a:alpha val="30000"/>
-                    </a:schemeClr>
-                  </a:solidFill>
-                </a:ln>
-                <a:solidFill>
-                  <a:schemeClr val="bg1"/>
-                </a:solidFill>
-                <a:latin typeface="바탕"/>
-                <a:ea typeface="바탕"/>
-              </a:rPr>
-              <a:t>수</a:t>
-            </a:r>
-            <a:r>
-              <a:rPr lang="en-US" altLang="ko-KR" sz="2000" dirty="0">
-                <a:ln w="9525">
-                  <a:solidFill>
-                    <a:schemeClr val="bg1">
-                      <a:alpha val="30000"/>
-                    </a:schemeClr>
-                  </a:solidFill>
-                </a:ln>
-                <a:solidFill>
-                  <a:schemeClr val="bg1"/>
-                </a:solidFill>
-                <a:latin typeface="바탕"/>
-                <a:ea typeface="바탕"/>
-              </a:rPr>
-              <a:t>)</a:t>
-            </a:r>
-            <a:endParaRPr lang="ko-KR" altLang="en-US" sz="2000" dirty="0">
-              <a:ln w="9525">
-                <a:solidFill>
-                  <a:schemeClr val="bg1">
-                    <a:alpha val="30000"/>
-                  </a:schemeClr>
-                </a:solidFill>
-              </a:ln>
-              <a:solidFill>
-                <a:schemeClr val="bg1"/>
-              </a:solidFill>
-              <a:latin typeface="바탕"/>
-              <a:ea typeface="바탕"/>
-            </a:endParaRPr>
-          </a:p>
-        </p:txBody>
-      </p:sp>
-      <p:pic>
-        <p:nvPicPr>
-          <p:cNvPr id="4" name="그림 3">
-            <a:extLst>
-              <a:ext uri="{FF2B5EF4-FFF2-40B4-BE49-F238E27FC236}">
-                <a16:creationId xmlns:a16="http://schemas.microsoft.com/office/drawing/2014/main" id="{C85E5916-BE2A-45D1-B6D7-7CED9C166B4A}"/>
-              </a:ext>
-            </a:extLst>
-          </p:cNvPr>
-          <p:cNvPicPr>
-            <a:picLocks noChangeAspect="1"/>
-          </p:cNvPicPr>
-          <p:nvPr/>
-        </p:nvPicPr>
-        <p:blipFill>
-          <a:blip r:embed="rId2">
-            <a:extLst>
-              <a:ext uri="{28A0092B-C50C-407E-A947-70E740481C1C}">
-                <a14:useLocalDpi xmlns:a14="http://schemas.microsoft.com/office/drawing/2010/main" val="0"/>
-              </a:ext>
-            </a:extLst>
-          </a:blip>
-          <a:stretch>
-            <a:fillRect/>
-          </a:stretch>
-        </p:blipFill>
-        <p:spPr>
-          <a:xfrm>
-            <a:off x="4856671" y="1523364"/>
-            <a:ext cx="7222331" cy="5075985"/>
-          </a:xfrm>
-          <a:prstGeom prst="rect">
-            <a:avLst/>
-          </a:prstGeom>
-        </p:spPr>
-      </p:pic>
-      <p:sp>
-        <p:nvSpPr>
-          <p:cNvPr id="24" name="TextBox 23">
-            <a:extLst>
-              <a:ext uri="{FF2B5EF4-FFF2-40B4-BE49-F238E27FC236}">
-                <a16:creationId xmlns:a16="http://schemas.microsoft.com/office/drawing/2014/main" id="{15A23D5B-B5D9-4F17-AC2C-3499FF40C068}"/>
-              </a:ext>
-            </a:extLst>
-          </p:cNvPr>
-          <p:cNvSpPr txBox="1"/>
-          <p:nvPr/>
-        </p:nvSpPr>
-        <p:spPr>
-          <a:xfrm>
-            <a:off x="1996864" y="3805501"/>
-            <a:ext cx="3358671" cy="713272"/>
+            <a:off x="314000" y="405740"/>
+            <a:ext cx="1929222" cy="380873"/>
           </a:xfrm>
           <a:prstGeom prst="rect">
             <a:avLst/>
@@ -6933,7 +8046,7 @@
               <a:defRPr/>
             </a:pPr>
             <a:r>
-              <a:rPr lang="ko-KR" altLang="en-US" dirty="0">
+              <a:rPr lang="en-US" altLang="ko-KR" dirty="0">
                 <a:solidFill>
                   <a:schemeClr val="tx1">
                     <a:lumMod val="50000"/>
@@ -6943,10 +8056,119 @@
                 <a:latin typeface="바탕"/>
                 <a:ea typeface="바탕"/>
               </a:rPr>
-              <a:t>소설을 쓰고 있습니다</a:t>
-            </a:r>
-            <a:r>
-              <a:rPr lang="en-US" altLang="ko-KR" dirty="0">
+              <a:t>2DOF</a:t>
+            </a:r>
+          </a:p>
+        </p:txBody>
+      </p:sp>
+      <p:pic>
+        <p:nvPicPr>
+          <p:cNvPr id="3" name="그림 2">
+            <a:extLst>
+              <a:ext uri="{FF2B5EF4-FFF2-40B4-BE49-F238E27FC236}">
+                <a16:creationId xmlns:a16="http://schemas.microsoft.com/office/drawing/2014/main" id="{1816FB32-1882-48CE-8843-38DDA16968AB}"/>
+              </a:ext>
+            </a:extLst>
+          </p:cNvPr>
+          <p:cNvPicPr>
+            <a:picLocks noChangeAspect="1"/>
+          </p:cNvPicPr>
+          <p:nvPr/>
+        </p:nvPicPr>
+        <p:blipFill>
+          <a:blip r:embed="rId2">
+            <a:extLst>
+              <a:ext uri="{28A0092B-C50C-407E-A947-70E740481C1C}">
+                <a14:useLocalDpi xmlns:a14="http://schemas.microsoft.com/office/drawing/2010/main" val="0"/>
+              </a:ext>
+            </a:extLst>
+          </a:blip>
+          <a:stretch>
+            <a:fillRect/>
+          </a:stretch>
+        </p:blipFill>
+        <p:spPr>
+          <a:xfrm>
+            <a:off x="1464585" y="0"/>
+            <a:ext cx="5115825" cy="6800562"/>
+          </a:xfrm>
+          <a:prstGeom prst="rect">
+            <a:avLst/>
+          </a:prstGeom>
+        </p:spPr>
+      </p:pic>
+      <p:pic>
+        <p:nvPicPr>
+          <p:cNvPr id="5" name="그림 4">
+            <a:extLst>
+              <a:ext uri="{FF2B5EF4-FFF2-40B4-BE49-F238E27FC236}">
+                <a16:creationId xmlns:a16="http://schemas.microsoft.com/office/drawing/2014/main" id="{15EA97A4-38ED-4F89-A9A1-F911B27427A8}"/>
+              </a:ext>
+            </a:extLst>
+          </p:cNvPr>
+          <p:cNvPicPr>
+            <a:picLocks noChangeAspect="1"/>
+          </p:cNvPicPr>
+          <p:nvPr/>
+        </p:nvPicPr>
+        <p:blipFill>
+          <a:blip r:embed="rId3">
+            <a:extLst>
+              <a:ext uri="{28A0092B-C50C-407E-A947-70E740481C1C}">
+                <a14:useLocalDpi xmlns:a14="http://schemas.microsoft.com/office/drawing/2010/main" val="0"/>
+              </a:ext>
+            </a:extLst>
+          </a:blip>
+          <a:stretch>
+            <a:fillRect/>
+          </a:stretch>
+        </p:blipFill>
+        <p:spPr>
+          <a:xfrm>
+            <a:off x="6096000" y="0"/>
+            <a:ext cx="5696342" cy="2697756"/>
+          </a:xfrm>
+          <a:prstGeom prst="rect">
+            <a:avLst/>
+          </a:prstGeom>
+        </p:spPr>
+      </p:pic>
+      <p:sp>
+        <p:nvSpPr>
+          <p:cNvPr id="9" name="TextBox 8">
+            <a:extLst>
+              <a:ext uri="{FF2B5EF4-FFF2-40B4-BE49-F238E27FC236}">
+                <a16:creationId xmlns:a16="http://schemas.microsoft.com/office/drawing/2014/main" id="{246B98A1-83B3-457D-8713-8D256FE43B5B}"/>
+              </a:ext>
+            </a:extLst>
+          </p:cNvPr>
+          <p:cNvSpPr txBox="1"/>
+          <p:nvPr/>
+        </p:nvSpPr>
+        <p:spPr>
+          <a:xfrm>
+            <a:off x="1697826" y="6261823"/>
+            <a:ext cx="4797832" cy="380873"/>
+          </a:xfrm>
+          <a:prstGeom prst="rect">
+            <a:avLst/>
+          </a:prstGeom>
+          <a:noFill/>
+        </p:spPr>
+        <p:txBody>
+          <a:bodyPr wrap="square" anchor="b">
+            <a:spAutoFit/>
+          </a:bodyPr>
+          <a:lstStyle/>
+          <a:p>
+            <a:pPr>
+              <a:lnSpc>
+                <a:spcPct val="120000"/>
+              </a:lnSpc>
+              <a:defRPr/>
+            </a:pPr>
+            <a:r>
+              <a:rPr lang="ko-KR" altLang="en-US" dirty="0">
                 <a:solidFill>
                   <a:schemeClr val="tx1">
                     <a:lumMod val="50000"/>
@@ -6956,15 +8178,644 @@
                 <a:latin typeface="바탕"/>
                 <a:ea typeface="바탕"/>
               </a:rPr>
-              <a:t>… (~4/10)</a:t>
-            </a:r>
-          </a:p>
-        </p:txBody>
-      </p:sp>
+              <a:t>밥 먹을 때마다 조금씩</a:t>
+            </a:r>
+            <a:r>
+              <a:rPr lang="en-US" altLang="ko-KR" dirty="0">
+                <a:solidFill>
+                  <a:schemeClr val="tx1">
+                    <a:lumMod val="50000"/>
+                    <a:lumOff val="50000"/>
+                  </a:schemeClr>
+                </a:solidFill>
+                <a:latin typeface="바탕"/>
+                <a:ea typeface="바탕"/>
+              </a:rPr>
+              <a:t>… </a:t>
+            </a:r>
+            <a:r>
+              <a:rPr lang="ko-KR" altLang="en-US" dirty="0">
+                <a:solidFill>
+                  <a:schemeClr val="tx1">
+                    <a:lumMod val="50000"/>
+                    <a:lumOff val="50000"/>
+                  </a:schemeClr>
+                </a:solidFill>
+                <a:latin typeface="바탕"/>
+                <a:ea typeface="바탕"/>
+              </a:rPr>
+              <a:t>보면서 했습니다</a:t>
+            </a:r>
+            <a:r>
+              <a:rPr lang="en-US" altLang="ko-KR" dirty="0">
+                <a:solidFill>
+                  <a:schemeClr val="tx1">
+                    <a:lumMod val="50000"/>
+                    <a:lumOff val="50000"/>
+                  </a:schemeClr>
+                </a:solidFill>
+                <a:latin typeface="바탕"/>
+                <a:ea typeface="바탕"/>
+              </a:rPr>
+              <a:t>…</a:t>
+            </a:r>
+            <a:r>
+              <a:rPr lang="ko-KR" altLang="en-US" dirty="0">
+                <a:solidFill>
+                  <a:schemeClr val="tx1">
+                    <a:lumMod val="50000"/>
+                    <a:lumOff val="50000"/>
+                  </a:schemeClr>
+                </a:solidFill>
+                <a:latin typeface="바탕"/>
+                <a:ea typeface="바탕"/>
+              </a:rPr>
+              <a:t> </a:t>
+            </a:r>
+            <a:endParaRPr lang="en-US" altLang="ko-KR" dirty="0">
+              <a:solidFill>
+                <a:schemeClr val="tx1">
+                  <a:lumMod val="50000"/>
+                  <a:lumOff val="50000"/>
+                </a:schemeClr>
+              </a:solidFill>
+              <a:latin typeface="바탕"/>
+              <a:ea typeface="바탕"/>
+            </a:endParaRPr>
+          </a:p>
+        </p:txBody>
+      </p:sp>
+      <mc:AlternateContent xmlns:mc="http://schemas.openxmlformats.org/markup-compatibility/2006" xmlns:p14="http://schemas.microsoft.com/office/powerpoint/2010/main">
+        <mc:Choice Requires="p14">
+          <p:contentPart p14:bwMode="auto" r:id="rId4">
+            <p14:nvContentPartPr>
+              <p14:cNvPr id="4" name="잉크 3">
+                <a:extLst>
+                  <a:ext uri="{FF2B5EF4-FFF2-40B4-BE49-F238E27FC236}">
+                    <a16:creationId xmlns:a16="http://schemas.microsoft.com/office/drawing/2014/main" id="{AE1C7015-5CB0-4208-8AC0-BD2D75ED26C4}"/>
+                  </a:ext>
+                </a:extLst>
+              </p14:cNvPr>
+              <p14:cNvContentPartPr/>
+              <p14:nvPr/>
+            </p14:nvContentPartPr>
+            <p14:xfrm>
+              <a:off x="3632451" y="5037909"/>
+              <a:ext cx="99360" cy="564840"/>
+            </p14:xfrm>
+          </p:contentPart>
+        </mc:Choice>
+        <mc:Fallback xmlns="">
+          <p:pic>
+            <p:nvPicPr>
+              <p:cNvPr id="4" name="잉크 3">
+                <a:extLst>
+                  <a:ext uri="{FF2B5EF4-FFF2-40B4-BE49-F238E27FC236}">
+                    <a16:creationId xmlns:a16="http://schemas.microsoft.com/office/drawing/2014/main" id="{AE1C7015-5CB0-4208-8AC0-BD2D75ED26C4}"/>
+                  </a:ext>
+                </a:extLst>
+              </p:cNvPr>
+              <p:cNvPicPr/>
+              <p:nvPr/>
+            </p:nvPicPr>
+            <p:blipFill>
+              <a:blip r:embed="rId5"/>
+              <a:stretch>
+                <a:fillRect/>
+              </a:stretch>
+            </p:blipFill>
+            <p:spPr>
+              <a:xfrm>
+                <a:off x="3628131" y="5033589"/>
+                <a:ext cx="108000" cy="573480"/>
+              </a:xfrm>
+              <a:prstGeom prst="rect">
+                <a:avLst/>
+              </a:prstGeom>
+            </p:spPr>
+          </p:pic>
+        </mc:Fallback>
+      </mc:AlternateContent>
+      <p:pic>
+        <p:nvPicPr>
+          <p:cNvPr id="8" name="그림 7">
+            <a:extLst>
+              <a:ext uri="{FF2B5EF4-FFF2-40B4-BE49-F238E27FC236}">
+                <a16:creationId xmlns:a16="http://schemas.microsoft.com/office/drawing/2014/main" id="{15A30B80-B884-4855-A4B9-AF9F15EB6569}"/>
+              </a:ext>
+            </a:extLst>
+          </p:cNvPr>
+          <p:cNvPicPr>
+            <a:picLocks noChangeAspect="1"/>
+          </p:cNvPicPr>
+          <p:nvPr/>
+        </p:nvPicPr>
+        <p:blipFill>
+          <a:blip r:embed="rId6">
+            <a:extLst>
+              <a:ext uri="{28A0092B-C50C-407E-A947-70E740481C1C}">
+                <a14:useLocalDpi xmlns:a14="http://schemas.microsoft.com/office/drawing/2010/main" val="0"/>
+              </a:ext>
+            </a:extLst>
+          </a:blip>
+          <a:stretch>
+            <a:fillRect/>
+          </a:stretch>
+        </p:blipFill>
+        <p:spPr>
+          <a:xfrm>
+            <a:off x="7138766" y="2713090"/>
+            <a:ext cx="4060457" cy="4072137"/>
+          </a:xfrm>
+          <a:prstGeom prst="rect">
+            <a:avLst/>
+          </a:prstGeom>
+        </p:spPr>
+      </p:pic>
+      <p:sp>
+        <p:nvSpPr>
+          <p:cNvPr id="10" name="TextBox 9">
+            <a:extLst>
+              <a:ext uri="{FF2B5EF4-FFF2-40B4-BE49-F238E27FC236}">
+                <a16:creationId xmlns:a16="http://schemas.microsoft.com/office/drawing/2014/main" id="{B4773867-F8B7-45F8-85F0-9B53841A2C56}"/>
+              </a:ext>
+            </a:extLst>
+          </p:cNvPr>
+          <p:cNvSpPr txBox="1"/>
+          <p:nvPr/>
+        </p:nvSpPr>
+        <p:spPr>
+          <a:xfrm>
+            <a:off x="9531185" y="6525217"/>
+            <a:ext cx="2826277" cy="332783"/>
+          </a:xfrm>
+          <a:prstGeom prst="rect">
+            <a:avLst/>
+          </a:prstGeom>
+          <a:noFill/>
+        </p:spPr>
+        <p:txBody>
+          <a:bodyPr wrap="square" anchor="b">
+            <a:spAutoFit/>
+          </a:bodyPr>
+          <a:lstStyle/>
+          <a:p>
+            <a:pPr>
+              <a:lnSpc>
+                <a:spcPct val="120000"/>
+              </a:lnSpc>
+              <a:defRPr/>
+            </a:pPr>
+            <a:r>
+              <a:rPr lang="ko-KR" altLang="en-US" sz="1500" dirty="0">
+                <a:solidFill>
+                  <a:schemeClr val="tx1">
+                    <a:lumMod val="50000"/>
+                    <a:lumOff val="50000"/>
+                  </a:schemeClr>
+                </a:solidFill>
+                <a:latin typeface="바탕"/>
+                <a:ea typeface="바탕"/>
+              </a:rPr>
+              <a:t>출처 </a:t>
+            </a:r>
+            <a:r>
+              <a:rPr lang="en-US" altLang="ko-KR" sz="1500" dirty="0">
+                <a:solidFill>
+                  <a:schemeClr val="tx1">
+                    <a:lumMod val="50000"/>
+                    <a:lumOff val="50000"/>
+                  </a:schemeClr>
+                </a:solidFill>
+                <a:latin typeface="바탕"/>
+                <a:ea typeface="바탕"/>
+              </a:rPr>
+              <a:t>: </a:t>
+            </a:r>
+            <a:r>
+              <a:rPr lang="ko-KR" altLang="en-US" sz="1500" dirty="0" err="1">
+                <a:solidFill>
+                  <a:schemeClr val="tx1">
+                    <a:lumMod val="50000"/>
+                    <a:lumOff val="50000"/>
+                  </a:schemeClr>
+                </a:solidFill>
+                <a:latin typeface="바탕"/>
+                <a:ea typeface="바탕"/>
+              </a:rPr>
+              <a:t>권남규</a:t>
+            </a:r>
+            <a:r>
+              <a:rPr lang="ko-KR" altLang="en-US" sz="1500" dirty="0">
+                <a:solidFill>
+                  <a:schemeClr val="tx1">
+                    <a:lumMod val="50000"/>
+                    <a:lumOff val="50000"/>
+                  </a:schemeClr>
+                </a:solidFill>
+                <a:latin typeface="바탕"/>
+                <a:ea typeface="바탕"/>
+              </a:rPr>
+              <a:t> 교수님</a:t>
+            </a:r>
+            <a:r>
+              <a:rPr lang="en-US" altLang="ko-KR" sz="1500" dirty="0">
+                <a:solidFill>
+                  <a:schemeClr val="tx1">
+                    <a:lumMod val="50000"/>
+                    <a:lumOff val="50000"/>
+                  </a:schemeClr>
+                </a:solidFill>
+                <a:latin typeface="바탕"/>
+                <a:ea typeface="바탕"/>
+              </a:rPr>
+              <a:t>…</a:t>
+            </a:r>
+          </a:p>
+        </p:txBody>
+      </p:sp>
+      <p:grpSp>
+        <p:nvGrpSpPr>
+          <p:cNvPr id="21" name="그룹 20">
+            <a:extLst>
+              <a:ext uri="{FF2B5EF4-FFF2-40B4-BE49-F238E27FC236}">
+                <a16:creationId xmlns:a16="http://schemas.microsoft.com/office/drawing/2014/main" id="{77343E2B-525F-4BD9-A418-DA271B627A83}"/>
+              </a:ext>
+            </a:extLst>
+          </p:cNvPr>
+          <p:cNvGrpSpPr/>
+          <p:nvPr/>
+        </p:nvGrpSpPr>
+        <p:grpSpPr>
+          <a:xfrm>
+            <a:off x="11003811" y="5076926"/>
+            <a:ext cx="516240" cy="321120"/>
+            <a:chOff x="11003811" y="5076926"/>
+            <a:chExt cx="516240" cy="321120"/>
+          </a:xfrm>
+        </p:grpSpPr>
+        <mc:AlternateContent xmlns:mc="http://schemas.openxmlformats.org/markup-compatibility/2006" xmlns:p14="http://schemas.microsoft.com/office/powerpoint/2010/main">
+          <mc:Choice Requires="p14">
+            <p:contentPart p14:bwMode="auto" r:id="rId7">
+              <p14:nvContentPartPr>
+                <p14:cNvPr id="14" name="잉크 13">
+                  <a:extLst>
+                    <a:ext uri="{FF2B5EF4-FFF2-40B4-BE49-F238E27FC236}">
+                      <a16:creationId xmlns:a16="http://schemas.microsoft.com/office/drawing/2014/main" id="{B63D8A75-5F56-4D03-831C-E5FA37C20B85}"/>
+                    </a:ext>
+                  </a:extLst>
+                </p14:cNvPr>
+                <p14:cNvContentPartPr/>
+                <p14:nvPr/>
+              </p14:nvContentPartPr>
+              <p14:xfrm>
+                <a:off x="11003811" y="5122646"/>
+                <a:ext cx="80640" cy="120240"/>
+              </p14:xfrm>
+            </p:contentPart>
+          </mc:Choice>
+          <mc:Fallback xmlns="">
+            <p:pic>
+              <p:nvPicPr>
+                <p:cNvPr id="14" name="잉크 13">
+                  <a:extLst>
+                    <a:ext uri="{FF2B5EF4-FFF2-40B4-BE49-F238E27FC236}">
+                      <a16:creationId xmlns:a16="http://schemas.microsoft.com/office/drawing/2014/main" id="{B63D8A75-5F56-4D03-831C-E5FA37C20B85}"/>
+                    </a:ext>
+                  </a:extLst>
+                </p:cNvPr>
+                <p:cNvPicPr/>
+                <p:nvPr/>
+              </p:nvPicPr>
+              <p:blipFill>
+                <a:blip r:embed="rId8"/>
+                <a:stretch>
+                  <a:fillRect/>
+                </a:stretch>
+              </p:blipFill>
+              <p:spPr>
+                <a:xfrm>
+                  <a:off x="10999491" y="5118326"/>
+                  <a:ext cx="89280" cy="128880"/>
+                </a:xfrm>
+                <a:prstGeom prst="rect">
+                  <a:avLst/>
+                </a:prstGeom>
+              </p:spPr>
+            </p:pic>
+          </mc:Fallback>
+        </mc:AlternateContent>
+        <mc:AlternateContent xmlns:mc="http://schemas.openxmlformats.org/markup-compatibility/2006" xmlns:p14="http://schemas.microsoft.com/office/powerpoint/2010/main">
+          <mc:Choice Requires="p14">
+            <p:contentPart p14:bwMode="auto" r:id="rId9">
+              <p14:nvContentPartPr>
+                <p14:cNvPr id="15" name="잉크 14">
+                  <a:extLst>
+                    <a:ext uri="{FF2B5EF4-FFF2-40B4-BE49-F238E27FC236}">
+                      <a16:creationId xmlns:a16="http://schemas.microsoft.com/office/drawing/2014/main" id="{F5B582F1-F0A2-4938-B38B-277097750B0E}"/>
+                    </a:ext>
+                  </a:extLst>
+                </p14:cNvPr>
+                <p14:cNvContentPartPr/>
+                <p14:nvPr/>
+              </p14:nvContentPartPr>
+              <p14:xfrm>
+                <a:off x="11152491" y="5076926"/>
+                <a:ext cx="29520" cy="186840"/>
+              </p14:xfrm>
+            </p:contentPart>
+          </mc:Choice>
+          <mc:Fallback xmlns="">
+            <p:pic>
+              <p:nvPicPr>
+                <p:cNvPr id="15" name="잉크 14">
+                  <a:extLst>
+                    <a:ext uri="{FF2B5EF4-FFF2-40B4-BE49-F238E27FC236}">
+                      <a16:creationId xmlns:a16="http://schemas.microsoft.com/office/drawing/2014/main" id="{F5B582F1-F0A2-4938-B38B-277097750B0E}"/>
+                    </a:ext>
+                  </a:extLst>
+                </p:cNvPr>
+                <p:cNvPicPr/>
+                <p:nvPr/>
+              </p:nvPicPr>
+              <p:blipFill>
+                <a:blip r:embed="rId10"/>
+                <a:stretch>
+                  <a:fillRect/>
+                </a:stretch>
+              </p:blipFill>
+              <p:spPr>
+                <a:xfrm>
+                  <a:off x="11148171" y="5072606"/>
+                  <a:ext cx="38160" cy="195480"/>
+                </a:xfrm>
+                <a:prstGeom prst="rect">
+                  <a:avLst/>
+                </a:prstGeom>
+              </p:spPr>
+            </p:pic>
+          </mc:Fallback>
+        </mc:AlternateContent>
+        <mc:AlternateContent xmlns:mc="http://schemas.openxmlformats.org/markup-compatibility/2006" xmlns:p14="http://schemas.microsoft.com/office/powerpoint/2010/main">
+          <mc:Choice Requires="p14">
+            <p:contentPart p14:bwMode="auto" r:id="rId11">
+              <p14:nvContentPartPr>
+                <p14:cNvPr id="16" name="잉크 15">
+                  <a:extLst>
+                    <a:ext uri="{FF2B5EF4-FFF2-40B4-BE49-F238E27FC236}">
+                      <a16:creationId xmlns:a16="http://schemas.microsoft.com/office/drawing/2014/main" id="{18E13EEC-DF96-4A4F-B1C8-D4BAC58BF7BC}"/>
+                    </a:ext>
+                  </a:extLst>
+                </p14:cNvPr>
+                <p14:cNvContentPartPr/>
+                <p14:nvPr/>
+              </p14:nvContentPartPr>
+              <p14:xfrm>
+                <a:off x="11158971" y="5121566"/>
+                <a:ext cx="92520" cy="49680"/>
+              </p14:xfrm>
+            </p:contentPart>
+          </mc:Choice>
+          <mc:Fallback xmlns="">
+            <p:pic>
+              <p:nvPicPr>
+                <p:cNvPr id="16" name="잉크 15">
+                  <a:extLst>
+                    <a:ext uri="{FF2B5EF4-FFF2-40B4-BE49-F238E27FC236}">
+                      <a16:creationId xmlns:a16="http://schemas.microsoft.com/office/drawing/2014/main" id="{18E13EEC-DF96-4A4F-B1C8-D4BAC58BF7BC}"/>
+                    </a:ext>
+                  </a:extLst>
+                </p:cNvPr>
+                <p:cNvPicPr/>
+                <p:nvPr/>
+              </p:nvPicPr>
+              <p:blipFill>
+                <a:blip r:embed="rId12"/>
+                <a:stretch>
+                  <a:fillRect/>
+                </a:stretch>
+              </p:blipFill>
+              <p:spPr>
+                <a:xfrm>
+                  <a:off x="11154651" y="5117246"/>
+                  <a:ext cx="101160" cy="58320"/>
+                </a:xfrm>
+                <a:prstGeom prst="rect">
+                  <a:avLst/>
+                </a:prstGeom>
+              </p:spPr>
+            </p:pic>
+          </mc:Fallback>
+        </mc:AlternateContent>
+        <mc:AlternateContent xmlns:mc="http://schemas.openxmlformats.org/markup-compatibility/2006" xmlns:p14="http://schemas.microsoft.com/office/powerpoint/2010/main">
+          <mc:Choice Requires="p14">
+            <p:contentPart p14:bwMode="auto" r:id="rId13">
+              <p14:nvContentPartPr>
+                <p14:cNvPr id="17" name="잉크 16">
+                  <a:extLst>
+                    <a:ext uri="{FF2B5EF4-FFF2-40B4-BE49-F238E27FC236}">
+                      <a16:creationId xmlns:a16="http://schemas.microsoft.com/office/drawing/2014/main" id="{DB0EFD5B-159C-48FF-A091-2B3DF07FD24E}"/>
+                    </a:ext>
+                  </a:extLst>
+                </p14:cNvPr>
+                <p14:cNvContentPartPr/>
+                <p14:nvPr/>
+              </p14:nvContentPartPr>
+              <p14:xfrm>
+                <a:off x="11097771" y="5283926"/>
+                <a:ext cx="122040" cy="114120"/>
+              </p14:xfrm>
+            </p:contentPart>
+          </mc:Choice>
+          <mc:Fallback xmlns="">
+            <p:pic>
+              <p:nvPicPr>
+                <p:cNvPr id="17" name="잉크 16">
+                  <a:extLst>
+                    <a:ext uri="{FF2B5EF4-FFF2-40B4-BE49-F238E27FC236}">
+                      <a16:creationId xmlns:a16="http://schemas.microsoft.com/office/drawing/2014/main" id="{DB0EFD5B-159C-48FF-A091-2B3DF07FD24E}"/>
+                    </a:ext>
+                  </a:extLst>
+                </p:cNvPr>
+                <p:cNvPicPr/>
+                <p:nvPr/>
+              </p:nvPicPr>
+              <p:blipFill>
+                <a:blip r:embed="rId14"/>
+                <a:stretch>
+                  <a:fillRect/>
+                </a:stretch>
+              </p:blipFill>
+              <p:spPr>
+                <a:xfrm>
+                  <a:off x="11093451" y="5279606"/>
+                  <a:ext cx="130680" cy="122760"/>
+                </a:xfrm>
+                <a:prstGeom prst="rect">
+                  <a:avLst/>
+                </a:prstGeom>
+              </p:spPr>
+            </p:pic>
+          </mc:Fallback>
+        </mc:AlternateContent>
+        <mc:AlternateContent xmlns:mc="http://schemas.openxmlformats.org/markup-compatibility/2006" xmlns:p14="http://schemas.microsoft.com/office/powerpoint/2010/main">
+          <mc:Choice Requires="p14">
+            <p:contentPart p14:bwMode="auto" r:id="rId15">
+              <p14:nvContentPartPr>
+                <p14:cNvPr id="18" name="잉크 17">
+                  <a:extLst>
+                    <a:ext uri="{FF2B5EF4-FFF2-40B4-BE49-F238E27FC236}">
+                      <a16:creationId xmlns:a16="http://schemas.microsoft.com/office/drawing/2014/main" id="{AB94D8C8-F4DF-436B-AAA3-91B0C9BE5B63}"/>
+                    </a:ext>
+                  </a:extLst>
+                </p14:cNvPr>
+                <p14:cNvContentPartPr/>
+                <p14:nvPr/>
+              </p14:nvContentPartPr>
+              <p14:xfrm>
+                <a:off x="11305131" y="5332166"/>
+                <a:ext cx="13320" cy="12240"/>
+              </p14:xfrm>
+            </p:contentPart>
+          </mc:Choice>
+          <mc:Fallback xmlns="">
+            <p:pic>
+              <p:nvPicPr>
+                <p:cNvPr id="18" name="잉크 17">
+                  <a:extLst>
+                    <a:ext uri="{FF2B5EF4-FFF2-40B4-BE49-F238E27FC236}">
+                      <a16:creationId xmlns:a16="http://schemas.microsoft.com/office/drawing/2014/main" id="{AB94D8C8-F4DF-436B-AAA3-91B0C9BE5B63}"/>
+                    </a:ext>
+                  </a:extLst>
+                </p:cNvPr>
+                <p:cNvPicPr/>
+                <p:nvPr/>
+              </p:nvPicPr>
+              <p:blipFill>
+                <a:blip r:embed="rId16"/>
+                <a:stretch>
+                  <a:fillRect/>
+                </a:stretch>
+              </p:blipFill>
+              <p:spPr>
+                <a:xfrm>
+                  <a:off x="11300811" y="5327846"/>
+                  <a:ext cx="21960" cy="20880"/>
+                </a:xfrm>
+                <a:prstGeom prst="rect">
+                  <a:avLst/>
+                </a:prstGeom>
+              </p:spPr>
+            </p:pic>
+          </mc:Fallback>
+        </mc:AlternateContent>
+        <mc:AlternateContent xmlns:mc="http://schemas.openxmlformats.org/markup-compatibility/2006" xmlns:p14="http://schemas.microsoft.com/office/powerpoint/2010/main">
+          <mc:Choice Requires="p14">
+            <p:contentPart p14:bwMode="auto" r:id="rId17">
+              <p14:nvContentPartPr>
+                <p14:cNvPr id="19" name="잉크 18">
+                  <a:extLst>
+                    <a:ext uri="{FF2B5EF4-FFF2-40B4-BE49-F238E27FC236}">
+                      <a16:creationId xmlns:a16="http://schemas.microsoft.com/office/drawing/2014/main" id="{D4C4B7EB-FA1C-423E-847F-EC0109474BDD}"/>
+                    </a:ext>
+                  </a:extLst>
+                </p14:cNvPr>
+                <p14:cNvContentPartPr/>
+                <p14:nvPr/>
+              </p14:nvContentPartPr>
+              <p14:xfrm>
+                <a:off x="11398731" y="5300486"/>
+                <a:ext cx="17640" cy="24480"/>
+              </p14:xfrm>
+            </p:contentPart>
+          </mc:Choice>
+          <mc:Fallback xmlns="">
+            <p:pic>
+              <p:nvPicPr>
+                <p:cNvPr id="19" name="잉크 18">
+                  <a:extLst>
+                    <a:ext uri="{FF2B5EF4-FFF2-40B4-BE49-F238E27FC236}">
+                      <a16:creationId xmlns:a16="http://schemas.microsoft.com/office/drawing/2014/main" id="{D4C4B7EB-FA1C-423E-847F-EC0109474BDD}"/>
+                    </a:ext>
+                  </a:extLst>
+                </p:cNvPr>
+                <p:cNvPicPr/>
+                <p:nvPr/>
+              </p:nvPicPr>
+              <p:blipFill>
+                <a:blip r:embed="rId18"/>
+                <a:stretch>
+                  <a:fillRect/>
+                </a:stretch>
+              </p:blipFill>
+              <p:spPr>
+                <a:xfrm>
+                  <a:off x="11394411" y="5296166"/>
+                  <a:ext cx="26280" cy="33120"/>
+                </a:xfrm>
+                <a:prstGeom prst="rect">
+                  <a:avLst/>
+                </a:prstGeom>
+              </p:spPr>
+            </p:pic>
+          </mc:Fallback>
+        </mc:AlternateContent>
+        <mc:AlternateContent xmlns:mc="http://schemas.openxmlformats.org/markup-compatibility/2006" xmlns:p14="http://schemas.microsoft.com/office/powerpoint/2010/main">
+          <mc:Choice Requires="p14">
+            <p:contentPart p14:bwMode="auto" r:id="rId19">
+              <p14:nvContentPartPr>
+                <p14:cNvPr id="20" name="잉크 19">
+                  <a:extLst>
+                    <a:ext uri="{FF2B5EF4-FFF2-40B4-BE49-F238E27FC236}">
+                      <a16:creationId xmlns:a16="http://schemas.microsoft.com/office/drawing/2014/main" id="{FB52790E-E5D6-48E0-BDCF-F88BC28294EC}"/>
+                    </a:ext>
+                  </a:extLst>
+                </p14:cNvPr>
+                <p14:cNvContentPartPr/>
+                <p14:nvPr/>
+              </p14:nvContentPartPr>
+              <p14:xfrm>
+                <a:off x="11511771" y="5276366"/>
+                <a:ext cx="8280" cy="20160"/>
+              </p14:xfrm>
+            </p:contentPart>
+          </mc:Choice>
+          <mc:Fallback xmlns="">
+            <p:pic>
+              <p:nvPicPr>
+                <p:cNvPr id="20" name="잉크 19">
+                  <a:extLst>
+                    <a:ext uri="{FF2B5EF4-FFF2-40B4-BE49-F238E27FC236}">
+                      <a16:creationId xmlns:a16="http://schemas.microsoft.com/office/drawing/2014/main" id="{FB52790E-E5D6-48E0-BDCF-F88BC28294EC}"/>
+                    </a:ext>
+                  </a:extLst>
+                </p:cNvPr>
+                <p:cNvPicPr/>
+                <p:nvPr/>
+              </p:nvPicPr>
+              <p:blipFill>
+                <a:blip r:embed="rId20"/>
+                <a:stretch>
+                  <a:fillRect/>
+                </a:stretch>
+              </p:blipFill>
+              <p:spPr>
+                <a:xfrm>
+                  <a:off x="11507451" y="5272046"/>
+                  <a:ext cx="16920" cy="28800"/>
+                </a:xfrm>
+                <a:prstGeom prst="rect">
+                  <a:avLst/>
+                </a:prstGeom>
+              </p:spPr>
+            </p:pic>
+          </mc:Fallback>
+        </mc:AlternateContent>
+      </p:grpSp>
     </p:spTree>
     <p:extLst>
       <p:ext uri="{BB962C8B-B14F-4D97-AF65-F5344CB8AC3E}">
-        <p14:creationId xmlns:p14="http://schemas.microsoft.com/office/powerpoint/2010/main" val="3420224254"/>
+        <p14:creationId xmlns:p14="http://schemas.microsoft.com/office/powerpoint/2010/main" val="1737181244"/>
       </p:ext>
     </p:extLst>
   </p:cSld>
@@ -6999,35 +8850,99 @@
           <a:chExt cx="0" cy="0"/>
         </a:xfrm>
       </p:grpSpPr>
-      <p:sp>
-        <p:nvSpPr>
-          <p:cNvPr id="4914" name="직사각형 4913"/>
-          <p:cNvSpPr/>
+      <p:pic>
+        <p:nvPicPr>
+          <p:cNvPr id="7" name="그림 6">
+            <a:extLst>
+              <a:ext uri="{FF2B5EF4-FFF2-40B4-BE49-F238E27FC236}">
+                <a16:creationId xmlns:a16="http://schemas.microsoft.com/office/drawing/2014/main" id="{EBD299AF-1D3E-4C5B-97FB-9C1AD12111B7}"/>
+              </a:ext>
+            </a:extLst>
+          </p:cNvPr>
+          <p:cNvPicPr>
+            <a:picLocks noChangeAspect="1"/>
+          </p:cNvPicPr>
           <p:nvPr/>
-        </p:nvSpPr>
+        </p:nvPicPr>
+        <p:blipFill>
+          <a:blip r:embed="rId2">
+            <a:extLst>
+              <a:ext uri="{28A0092B-C50C-407E-A947-70E740481C1C}">
+                <a14:useLocalDpi xmlns:a14="http://schemas.microsoft.com/office/drawing/2010/main" val="0"/>
+              </a:ext>
+            </a:extLst>
+          </a:blip>
+          <a:stretch>
+            <a:fillRect/>
+          </a:stretch>
+        </p:blipFill>
         <p:spPr>
           <a:xfrm>
-            <a:off x="0" y="0"/>
-            <a:ext cx="12192000" cy="914400"/>
+            <a:off x="987099" y="0"/>
+            <a:ext cx="5194092" cy="6858000"/>
           </a:xfrm>
           <a:prstGeom prst="rect">
             <a:avLst/>
           </a:prstGeom>
-          <a:gradFill flip="none" rotWithShape="1">
-            <a:gsLst>
-              <a:gs pos="43000">
-                <a:srgbClr val="EA637C"/>
-              </a:gs>
-              <a:gs pos="0">
-                <a:schemeClr val="accent1"/>
-              </a:gs>
-              <a:gs pos="100000">
-                <a:schemeClr val="accent3"/>
-              </a:gs>
-            </a:gsLst>
-            <a:lin ang="0" scaled="1"/>
-            <a:tileRect/>
-          </a:gradFill>
+        </p:spPr>
+      </p:pic>
+      <p:pic>
+        <p:nvPicPr>
+          <p:cNvPr id="12" name="그림 11">
+            <a:extLst>
+              <a:ext uri="{FF2B5EF4-FFF2-40B4-BE49-F238E27FC236}">
+                <a16:creationId xmlns:a16="http://schemas.microsoft.com/office/drawing/2014/main" id="{83E8290A-C3DE-48ED-858A-5ACC5EAFA495}"/>
+              </a:ext>
+            </a:extLst>
+          </p:cNvPr>
+          <p:cNvPicPr>
+            <a:picLocks noChangeAspect="1"/>
+          </p:cNvPicPr>
+          <p:nvPr/>
+        </p:nvPicPr>
+        <p:blipFill>
+          <a:blip r:embed="rId3">
+            <a:extLst>
+              <a:ext uri="{28A0092B-C50C-407E-A947-70E740481C1C}">
+                <a14:useLocalDpi xmlns:a14="http://schemas.microsoft.com/office/drawing/2010/main" val="0"/>
+              </a:ext>
+            </a:extLst>
+          </a:blip>
+          <a:stretch>
+            <a:fillRect/>
+          </a:stretch>
+        </p:blipFill>
+        <p:spPr>
+          <a:xfrm>
+            <a:off x="5851044" y="69669"/>
+            <a:ext cx="5353857" cy="6858000"/>
+          </a:xfrm>
+          <a:prstGeom prst="rect">
+            <a:avLst/>
+          </a:prstGeom>
+        </p:spPr>
+      </p:pic>
+      <p:sp>
+        <p:nvSpPr>
+          <p:cNvPr id="13" name="직사각형 12">
+            <a:extLst>
+              <a:ext uri="{FF2B5EF4-FFF2-40B4-BE49-F238E27FC236}">
+                <a16:creationId xmlns:a16="http://schemas.microsoft.com/office/drawing/2014/main" id="{A9BEE791-8DEA-41AF-B09B-881F4D67D9B2}"/>
+              </a:ext>
+            </a:extLst>
+          </p:cNvPr>
+          <p:cNvSpPr/>
+          <p:nvPr/>
+        </p:nvSpPr>
+        <p:spPr>
+          <a:xfrm>
+            <a:off x="5677989" y="6583680"/>
+            <a:ext cx="5921828" cy="931817"/>
+          </a:xfrm>
+          <a:prstGeom prst="rect">
+            <a:avLst/>
+          </a:prstGeom>
+          <a:noFill/>
           <a:ln>
             <a:noFill/>
           </a:ln>
@@ -7049,801 +8964,18 @@
           </a:fontRef>
         </p:style>
         <p:txBody>
-          <a:bodyPr anchor="ctr"/>
+          <a:bodyPr rtlCol="0" anchor="ctr"/>
           <a:lstStyle/>
           <a:p>
-            <a:pPr algn="ctr">
-              <a:defRPr/>
-            </a:pPr>
+            <a:pPr algn="ctr"/>
             <a:endParaRPr lang="ko-KR" altLang="en-US"/>
-          </a:p>
-        </p:txBody>
-      </p:sp>
-      <p:sp>
-        <p:nvSpPr>
-          <p:cNvPr id="13" name="타원 12"/>
-          <p:cNvSpPr/>
-          <p:nvPr/>
-        </p:nvSpPr>
-        <p:spPr>
-          <a:xfrm>
-            <a:off x="1324020" y="1559003"/>
-            <a:ext cx="631437" cy="631437"/>
-          </a:xfrm>
-          <a:prstGeom prst="ellipse">
-            <a:avLst/>
-          </a:prstGeom>
-          <a:ln>
-            <a:noFill/>
-          </a:ln>
-        </p:spPr>
-        <p:style>
-          <a:lnRef idx="2">
-            <a:schemeClr val="accent1">
-              <a:shade val="50000"/>
-            </a:schemeClr>
-          </a:lnRef>
-          <a:fillRef idx="1">
-            <a:schemeClr val="accent1"/>
-          </a:fillRef>
-          <a:effectRef idx="0">
-            <a:schemeClr val="accent1"/>
-          </a:effectRef>
-          <a:fontRef idx="minor">
-            <a:schemeClr val="lt1"/>
-          </a:fontRef>
-        </p:style>
-        <p:txBody>
-          <a:bodyPr anchor="ctr"/>
-          <a:lstStyle/>
-          <a:p>
-            <a:pPr algn="ctr">
-              <a:defRPr/>
-            </a:pPr>
-            <a:r>
-              <a:rPr lang="en-US" altLang="ko-KR" sz="1400" b="1" dirty="0">
-                <a:ln w="9525">
-                  <a:solidFill>
-                    <a:schemeClr val="bg1">
-                      <a:alpha val="30000"/>
-                    </a:schemeClr>
-                  </a:solidFill>
-                </a:ln>
-                <a:latin typeface="바탕"/>
-                <a:ea typeface="바탕"/>
-              </a:rPr>
-              <a:t>04</a:t>
-            </a:r>
-            <a:endParaRPr lang="ko-KR" altLang="en-US" sz="1400" b="1" dirty="0">
-              <a:ln w="9525">
-                <a:solidFill>
-                  <a:schemeClr val="bg1">
-                    <a:alpha val="30000"/>
-                  </a:schemeClr>
-                </a:solidFill>
-              </a:ln>
-              <a:latin typeface="바탕"/>
-              <a:ea typeface="바탕"/>
-            </a:endParaRPr>
-          </a:p>
-        </p:txBody>
-      </p:sp>
-      <p:sp>
-        <p:nvSpPr>
-          <p:cNvPr id="14" name="TextBox 13"/>
-          <p:cNvSpPr txBox="1"/>
-          <p:nvPr/>
-        </p:nvSpPr>
-        <p:spPr>
-          <a:xfrm>
-            <a:off x="2082832" y="2365538"/>
-            <a:ext cx="8417738" cy="4037259"/>
-          </a:xfrm>
-          <a:prstGeom prst="rect">
-            <a:avLst/>
-          </a:prstGeom>
-          <a:noFill/>
-        </p:spPr>
-        <p:txBody>
-          <a:bodyPr wrap="square" anchor="b">
-            <a:spAutoFit/>
-          </a:bodyPr>
-          <a:lstStyle/>
-          <a:p>
-            <a:pPr marL="285750" indent="-285750">
-              <a:lnSpc>
-                <a:spcPct val="120000"/>
-              </a:lnSpc>
-              <a:buFont typeface="Arial" panose="020B0604020202020204" pitchFamily="34" charset="0"/>
-              <a:buChar char="•"/>
-              <a:defRPr/>
-            </a:pPr>
-            <a:r>
-              <a:rPr lang="ko-KR" altLang="en-US" dirty="0">
-                <a:solidFill>
-                  <a:schemeClr val="tx1">
-                    <a:lumMod val="50000"/>
-                    <a:lumOff val="50000"/>
-                  </a:schemeClr>
-                </a:solidFill>
-                <a:latin typeface="바탕"/>
-                <a:ea typeface="바탕"/>
-              </a:rPr>
-              <a:t>계획표 작성</a:t>
-            </a:r>
-            <a:r>
-              <a:rPr lang="en-US" altLang="ko-KR" dirty="0">
-                <a:solidFill>
-                  <a:schemeClr val="tx1">
-                    <a:lumMod val="50000"/>
-                    <a:lumOff val="50000"/>
-                  </a:schemeClr>
-                </a:solidFill>
-                <a:latin typeface="바탕"/>
-                <a:ea typeface="바탕"/>
-              </a:rPr>
-              <a:t>(4/11~4/12)</a:t>
-            </a:r>
-          </a:p>
-          <a:p>
-            <a:pPr>
-              <a:lnSpc>
-                <a:spcPct val="120000"/>
-              </a:lnSpc>
-              <a:defRPr/>
-            </a:pPr>
-            <a:r>
-              <a:rPr lang="en-US" altLang="ko-KR" dirty="0">
-                <a:solidFill>
-                  <a:schemeClr val="tx1">
-                    <a:lumMod val="50000"/>
-                    <a:lumOff val="50000"/>
-                  </a:schemeClr>
-                </a:solidFill>
-                <a:latin typeface="바탕"/>
-                <a:ea typeface="바탕"/>
-              </a:rPr>
-              <a:t>    </a:t>
-            </a:r>
-            <a:r>
-              <a:rPr lang="ko-KR" altLang="en-US" dirty="0">
-                <a:solidFill>
-                  <a:schemeClr val="tx1">
-                    <a:lumMod val="50000"/>
-                    <a:lumOff val="50000"/>
-                  </a:schemeClr>
-                </a:solidFill>
-                <a:latin typeface="바탕"/>
-                <a:ea typeface="바탕"/>
-              </a:rPr>
-              <a:t> </a:t>
-            </a:r>
-            <a:r>
-              <a:rPr lang="en-US" altLang="ko-KR" dirty="0">
-                <a:solidFill>
-                  <a:schemeClr val="tx1">
-                    <a:lumMod val="50000"/>
-                    <a:lumOff val="50000"/>
-                  </a:schemeClr>
-                </a:solidFill>
-                <a:latin typeface="바탕"/>
-                <a:ea typeface="바탕"/>
-              </a:rPr>
-              <a:t>=&gt; </a:t>
-            </a:r>
-            <a:r>
-              <a:rPr lang="ko-KR" altLang="en-US" dirty="0">
-                <a:solidFill>
-                  <a:schemeClr val="tx1">
-                    <a:lumMod val="50000"/>
-                    <a:lumOff val="50000"/>
-                  </a:schemeClr>
-                </a:solidFill>
-                <a:latin typeface="바탕"/>
-                <a:ea typeface="바탕"/>
-              </a:rPr>
-              <a:t>시간 관리가 안 돼서 매일 목표치를 달성하지 못하는 끔찍한 일이 발생</a:t>
-            </a:r>
-            <a:r>
-              <a:rPr lang="en-US" altLang="ko-KR" dirty="0">
-                <a:solidFill>
-                  <a:schemeClr val="tx1">
-                    <a:lumMod val="50000"/>
-                    <a:lumOff val="50000"/>
-                  </a:schemeClr>
-                </a:solidFill>
-                <a:latin typeface="바탕"/>
-                <a:ea typeface="바탕"/>
-              </a:rPr>
-              <a:t>…</a:t>
-            </a:r>
-          </a:p>
-          <a:p>
-            <a:pPr>
-              <a:lnSpc>
-                <a:spcPct val="120000"/>
-              </a:lnSpc>
-              <a:defRPr/>
-            </a:pPr>
-            <a:endParaRPr lang="en-US" altLang="ko-KR" dirty="0">
-              <a:solidFill>
-                <a:schemeClr val="tx1">
-                  <a:lumMod val="50000"/>
-                  <a:lumOff val="50000"/>
-                </a:schemeClr>
-              </a:solidFill>
-              <a:latin typeface="바탕"/>
-              <a:ea typeface="바탕"/>
-            </a:endParaRPr>
-          </a:p>
-          <a:p>
-            <a:pPr marL="285750" indent="-285750">
-              <a:lnSpc>
-                <a:spcPct val="120000"/>
-              </a:lnSpc>
-              <a:buFont typeface="Arial" panose="020B0604020202020204" pitchFamily="34" charset="0"/>
-              <a:buChar char="•"/>
-              <a:defRPr/>
-            </a:pPr>
-            <a:r>
-              <a:rPr lang="ko-KR" altLang="en-US" dirty="0">
-                <a:solidFill>
-                  <a:schemeClr val="tx1">
-                    <a:lumMod val="50000"/>
-                    <a:lumOff val="50000"/>
-                  </a:schemeClr>
-                </a:solidFill>
-                <a:latin typeface="바탕"/>
-                <a:ea typeface="바탕"/>
-              </a:rPr>
-              <a:t>강의 수강</a:t>
-            </a:r>
-            <a:r>
-              <a:rPr lang="en-US" altLang="ko-KR" dirty="0">
-                <a:solidFill>
-                  <a:schemeClr val="tx1">
-                    <a:lumMod val="50000"/>
-                    <a:lumOff val="50000"/>
-                  </a:schemeClr>
-                </a:solidFill>
-                <a:latin typeface="바탕"/>
-                <a:ea typeface="바탕"/>
-              </a:rPr>
-              <a:t>, </a:t>
-            </a:r>
-            <a:r>
-              <a:rPr lang="ko-KR" altLang="en-US" dirty="0">
-                <a:solidFill>
-                  <a:schemeClr val="tx1">
-                    <a:lumMod val="50000"/>
-                    <a:lumOff val="50000"/>
-                  </a:schemeClr>
-                </a:solidFill>
-                <a:latin typeface="바탕"/>
-                <a:ea typeface="바탕"/>
-              </a:rPr>
-              <a:t>과제</a:t>
-            </a:r>
-            <a:r>
-              <a:rPr lang="en-US" altLang="ko-KR" dirty="0">
-                <a:solidFill>
-                  <a:schemeClr val="tx1">
-                    <a:lumMod val="50000"/>
-                    <a:lumOff val="50000"/>
-                  </a:schemeClr>
-                </a:solidFill>
-                <a:latin typeface="바탕"/>
-                <a:ea typeface="바탕"/>
-              </a:rPr>
-              <a:t>, </a:t>
-            </a:r>
-            <a:r>
-              <a:rPr lang="ko-KR" altLang="en-US" dirty="0">
-                <a:solidFill>
-                  <a:schemeClr val="tx1">
-                    <a:lumMod val="50000"/>
-                    <a:lumOff val="50000"/>
-                  </a:schemeClr>
-                </a:solidFill>
-                <a:latin typeface="바탕"/>
-                <a:ea typeface="바탕"/>
-              </a:rPr>
-              <a:t>퀴즈</a:t>
-            </a:r>
-            <a:endParaRPr lang="en-US" altLang="ko-KR" dirty="0">
-              <a:solidFill>
-                <a:schemeClr val="tx1">
-                  <a:lumMod val="50000"/>
-                  <a:lumOff val="50000"/>
-                </a:schemeClr>
-              </a:solidFill>
-              <a:latin typeface="바탕"/>
-              <a:ea typeface="바탕"/>
-            </a:endParaRPr>
-          </a:p>
-          <a:p>
-            <a:pPr>
-              <a:lnSpc>
-                <a:spcPct val="120000"/>
-              </a:lnSpc>
-              <a:defRPr/>
-            </a:pPr>
-            <a:endParaRPr lang="en-US" altLang="ko-KR" dirty="0">
-              <a:solidFill>
-                <a:schemeClr val="tx1">
-                  <a:lumMod val="50000"/>
-                  <a:lumOff val="50000"/>
-                </a:schemeClr>
-              </a:solidFill>
-              <a:latin typeface="바탕"/>
-              <a:ea typeface="바탕"/>
-            </a:endParaRPr>
-          </a:p>
-          <a:p>
-            <a:pPr marL="285750" indent="-285750">
-              <a:lnSpc>
-                <a:spcPct val="120000"/>
-              </a:lnSpc>
-              <a:buFont typeface="Arial" panose="020B0604020202020204" pitchFamily="34" charset="0"/>
-              <a:buChar char="•"/>
-              <a:defRPr/>
-            </a:pPr>
-            <a:r>
-              <a:rPr lang="ko-KR" altLang="en-US" dirty="0">
-                <a:solidFill>
-                  <a:schemeClr val="tx1">
-                    <a:lumMod val="50000"/>
-                    <a:lumOff val="50000"/>
-                  </a:schemeClr>
-                </a:solidFill>
-                <a:latin typeface="바탕"/>
-                <a:ea typeface="바탕"/>
-              </a:rPr>
-              <a:t>제어 이론 </a:t>
-            </a:r>
-            <a:r>
-              <a:rPr lang="en-US" altLang="ko-KR" dirty="0">
-                <a:solidFill>
-                  <a:schemeClr val="tx1">
-                    <a:lumMod val="50000"/>
-                    <a:lumOff val="50000"/>
-                  </a:schemeClr>
-                </a:solidFill>
-                <a:latin typeface="바탕"/>
-                <a:ea typeface="바탕"/>
-              </a:rPr>
-              <a:t>&amp; Simulink</a:t>
-            </a:r>
-          </a:p>
-          <a:p>
-            <a:pPr>
-              <a:lnSpc>
-                <a:spcPct val="120000"/>
-              </a:lnSpc>
-              <a:defRPr/>
-            </a:pPr>
-            <a:endParaRPr lang="en-US" altLang="ko-KR" dirty="0">
-              <a:solidFill>
-                <a:schemeClr val="tx1">
-                  <a:lumMod val="50000"/>
-                  <a:lumOff val="50000"/>
-                </a:schemeClr>
-              </a:solidFill>
-              <a:latin typeface="바탕"/>
-              <a:ea typeface="바탕"/>
-            </a:endParaRPr>
-          </a:p>
-          <a:p>
-            <a:pPr marL="285750" indent="-285750">
-              <a:lnSpc>
-                <a:spcPct val="120000"/>
-              </a:lnSpc>
-              <a:buFont typeface="Arial" panose="020B0604020202020204" pitchFamily="34" charset="0"/>
-              <a:buChar char="•"/>
-              <a:defRPr/>
-            </a:pPr>
-            <a:r>
-              <a:rPr lang="en-US" altLang="ko-KR" dirty="0">
-                <a:solidFill>
-                  <a:schemeClr val="tx1">
-                    <a:lumMod val="50000"/>
-                    <a:lumOff val="50000"/>
-                  </a:schemeClr>
-                </a:solidFill>
-                <a:latin typeface="바탕"/>
-                <a:ea typeface="바탕"/>
-              </a:rPr>
-              <a:t>Python </a:t>
-            </a:r>
-            <a:r>
-              <a:rPr lang="ko-KR" altLang="en-US" dirty="0">
-                <a:solidFill>
-                  <a:schemeClr val="tx1">
-                    <a:lumMod val="50000"/>
-                    <a:lumOff val="50000"/>
-                  </a:schemeClr>
-                </a:solidFill>
-                <a:latin typeface="바탕"/>
-                <a:ea typeface="바탕"/>
-              </a:rPr>
-              <a:t>영상처리</a:t>
-            </a:r>
-            <a:endParaRPr lang="en-US" altLang="ko-KR" dirty="0">
-              <a:solidFill>
-                <a:schemeClr val="tx1">
-                  <a:lumMod val="50000"/>
-                  <a:lumOff val="50000"/>
-                </a:schemeClr>
-              </a:solidFill>
-              <a:latin typeface="바탕"/>
-              <a:ea typeface="바탕"/>
-            </a:endParaRPr>
-          </a:p>
-          <a:p>
-            <a:pPr>
-              <a:lnSpc>
-                <a:spcPct val="120000"/>
-              </a:lnSpc>
-              <a:defRPr/>
-            </a:pPr>
-            <a:r>
-              <a:rPr lang="en-US" altLang="ko-KR" dirty="0">
-                <a:solidFill>
-                  <a:schemeClr val="tx1">
-                    <a:lumMod val="50000"/>
-                    <a:lumOff val="50000"/>
-                  </a:schemeClr>
-                </a:solidFill>
-                <a:latin typeface="바탕"/>
-                <a:ea typeface="바탕"/>
-              </a:rPr>
-              <a:t>    =&gt; </a:t>
-            </a:r>
-            <a:r>
-              <a:rPr lang="ko-KR" altLang="en-US" dirty="0">
-                <a:solidFill>
-                  <a:schemeClr val="tx1">
-                    <a:lumMod val="50000"/>
-                    <a:lumOff val="50000"/>
-                  </a:schemeClr>
-                </a:solidFill>
-                <a:latin typeface="바탕"/>
-                <a:ea typeface="바탕"/>
-              </a:rPr>
-              <a:t>제어 이론 공부하고 시간이 남을 때마다 조금씩</a:t>
-            </a:r>
-            <a:endParaRPr lang="en-US" altLang="ko-KR" dirty="0">
-              <a:solidFill>
-                <a:schemeClr val="tx1">
-                  <a:lumMod val="50000"/>
-                  <a:lumOff val="50000"/>
-                </a:schemeClr>
-              </a:solidFill>
-              <a:latin typeface="바탕"/>
-              <a:ea typeface="바탕"/>
-            </a:endParaRPr>
-          </a:p>
-          <a:p>
-            <a:pPr>
-              <a:lnSpc>
-                <a:spcPct val="120000"/>
-              </a:lnSpc>
-              <a:defRPr/>
-            </a:pPr>
-            <a:endParaRPr lang="en-US" altLang="ko-KR" dirty="0">
-              <a:solidFill>
-                <a:schemeClr val="tx1">
-                  <a:lumMod val="50000"/>
-                  <a:lumOff val="50000"/>
-                </a:schemeClr>
-              </a:solidFill>
-              <a:latin typeface="바탕"/>
-              <a:ea typeface="바탕"/>
-            </a:endParaRPr>
-          </a:p>
-          <a:p>
-            <a:pPr>
-              <a:lnSpc>
-                <a:spcPct val="120000"/>
-              </a:lnSpc>
-              <a:defRPr/>
-            </a:pPr>
-            <a:r>
-              <a:rPr lang="ko-KR" altLang="en-US" dirty="0">
-                <a:solidFill>
-                  <a:schemeClr val="tx1">
-                    <a:lumMod val="50000"/>
-                    <a:lumOff val="50000"/>
-                  </a:schemeClr>
-                </a:solidFill>
-                <a:latin typeface="바탕"/>
-                <a:ea typeface="바탕"/>
-              </a:rPr>
-              <a:t>다음주 월요일부터는 계획대로 할 수 있을 것 같습니다</a:t>
-            </a:r>
-            <a:r>
-              <a:rPr lang="en-US" altLang="ko-KR" dirty="0">
-                <a:solidFill>
-                  <a:schemeClr val="tx1">
-                    <a:lumMod val="50000"/>
-                    <a:lumOff val="50000"/>
-                  </a:schemeClr>
-                </a:solidFill>
-                <a:latin typeface="바탕"/>
-                <a:ea typeface="바탕"/>
-              </a:rPr>
-              <a:t>…</a:t>
-            </a:r>
-          </a:p>
-          <a:p>
-            <a:pPr marL="285750" indent="-285750">
-              <a:lnSpc>
-                <a:spcPct val="120000"/>
-              </a:lnSpc>
-              <a:buFont typeface="Arial" panose="020B0604020202020204" pitchFamily="34" charset="0"/>
-              <a:buChar char="•"/>
-              <a:defRPr/>
-            </a:pPr>
-            <a:endParaRPr lang="en-US" altLang="ko-KR" dirty="0">
-              <a:solidFill>
-                <a:schemeClr val="tx1">
-                  <a:lumMod val="50000"/>
-                  <a:lumOff val="50000"/>
-                </a:schemeClr>
-              </a:solidFill>
-              <a:latin typeface="바탕"/>
-              <a:ea typeface="바탕"/>
-            </a:endParaRPr>
-          </a:p>
-        </p:txBody>
-      </p:sp>
-      <p:sp>
-        <p:nvSpPr>
-          <p:cNvPr id="15" name="TextBox 14"/>
-          <p:cNvSpPr txBox="1"/>
-          <p:nvPr/>
-        </p:nvSpPr>
-        <p:spPr>
-          <a:xfrm>
-            <a:off x="1901551" y="1674666"/>
-            <a:ext cx="1862891" cy="400110"/>
-          </a:xfrm>
-          <a:prstGeom prst="rect">
-            <a:avLst/>
-          </a:prstGeom>
-          <a:noFill/>
-        </p:spPr>
-        <p:txBody>
-          <a:bodyPr wrap="square">
-            <a:spAutoFit/>
-          </a:bodyPr>
-          <a:lstStyle/>
-          <a:p>
-            <a:pPr algn="ctr">
-              <a:defRPr/>
-            </a:pPr>
-            <a:r>
-              <a:rPr lang="ko-KR" altLang="en-US" sz="2000" b="1" dirty="0">
-                <a:ln w="9525">
-                  <a:solidFill>
-                    <a:schemeClr val="accent1">
-                      <a:alpha val="30000"/>
-                    </a:schemeClr>
-                  </a:solidFill>
-                </a:ln>
-                <a:gradFill flip="none" rotWithShape="1">
-                  <a:gsLst>
-                    <a:gs pos="0">
-                      <a:schemeClr val="accent4"/>
-                    </a:gs>
-                    <a:gs pos="63000">
-                      <a:schemeClr val="accent1"/>
-                    </a:gs>
-                  </a:gsLst>
-                  <a:path path="circle">
-                    <a:fillToRect r="100000" b="100000"/>
-                  </a:path>
-                  <a:tileRect l="-100000" t="-100000"/>
-                </a:gradFill>
-                <a:latin typeface="바탕"/>
-                <a:ea typeface="바탕"/>
-              </a:rPr>
-              <a:t>앞으로 계획</a:t>
-            </a:r>
-          </a:p>
-        </p:txBody>
-      </p:sp>
-      <mc:AlternateContent xmlns:mc="http://schemas.openxmlformats.org/markup-compatibility/2006">
-        <mc:Choice xmlns:p14="http://schemas.microsoft.com/office/powerpoint/2010/main" Requires="p14">
-          <p:contentPart p14:bwMode="auto" r:id="rId2">
-            <p14:nvContentPartPr>
-              <p14:cNvPr id="10" name="잉크 9">
-                <a:extLst>
-                  <a:ext uri="{FF2B5EF4-FFF2-40B4-BE49-F238E27FC236}">
-                    <a16:creationId xmlns:a16="http://schemas.microsoft.com/office/drawing/2014/main" id="{ABCF400C-DFD4-4673-A983-BAB493103927}"/>
-                  </a:ext>
-                </a:extLst>
-              </p14:cNvPr>
-              <p14:cNvContentPartPr/>
-              <p14:nvPr/>
-            </p14:nvContentPartPr>
-            <p14:xfrm>
-              <a:off x="4221363" y="5319260"/>
-              <a:ext cx="109440" cy="75960"/>
-            </p14:xfrm>
-          </p:contentPart>
-        </mc:Choice>
-        <mc:Fallback>
-          <p:pic>
-            <p:nvPicPr>
-              <p:cNvPr id="10" name="잉크 9">
-                <a:extLst>
-                  <a:ext uri="{FF2B5EF4-FFF2-40B4-BE49-F238E27FC236}">
-                    <a16:creationId xmlns:a16="http://schemas.microsoft.com/office/drawing/2014/main" id="{ABCF400C-DFD4-4673-A983-BAB493103927}"/>
-                  </a:ext>
-                </a:extLst>
-              </p:cNvPr>
-              <p:cNvPicPr/>
-              <p:nvPr/>
-            </p:nvPicPr>
-            <p:blipFill>
-              <a:blip r:embed="rId3"/>
-              <a:stretch>
-                <a:fillRect/>
-              </a:stretch>
-            </p:blipFill>
-            <p:spPr>
-              <a:xfrm>
-                <a:off x="4217043" y="5314940"/>
-                <a:ext cx="118080" cy="84600"/>
-              </a:xfrm>
-              <a:prstGeom prst="rect">
-                <a:avLst/>
-              </a:prstGeom>
-            </p:spPr>
-          </p:pic>
-        </mc:Fallback>
-      </mc:AlternateContent>
-      <p:sp>
-        <p:nvSpPr>
-          <p:cNvPr id="11" name="TextBox 10">
-            <a:extLst>
-              <a:ext uri="{FF2B5EF4-FFF2-40B4-BE49-F238E27FC236}">
-                <a16:creationId xmlns:a16="http://schemas.microsoft.com/office/drawing/2014/main" id="{5F973CD8-1FF7-4C31-AD1C-F84A08FA0DC0}"/>
-              </a:ext>
-            </a:extLst>
-          </p:cNvPr>
-          <p:cNvSpPr txBox="1"/>
-          <p:nvPr/>
-        </p:nvSpPr>
-        <p:spPr>
-          <a:xfrm>
-            <a:off x="3281363" y="455203"/>
-            <a:ext cx="5629275" cy="412870"/>
-          </a:xfrm>
-          <a:prstGeom prst="rect">
-            <a:avLst/>
-          </a:prstGeom>
-          <a:noFill/>
-        </p:spPr>
-        <p:txBody>
-          <a:bodyPr wrap="square">
-            <a:spAutoFit/>
-          </a:bodyPr>
-          <a:lstStyle/>
-          <a:p>
-            <a:pPr algn="dist">
-              <a:lnSpc>
-                <a:spcPct val="120000"/>
-              </a:lnSpc>
-              <a:defRPr/>
-            </a:pPr>
-            <a:r>
-              <a:rPr lang="en-US" altLang="ko-KR" sz="2000" dirty="0">
-                <a:ln w="9525">
-                  <a:solidFill>
-                    <a:schemeClr val="bg1">
-                      <a:alpha val="30000"/>
-                    </a:schemeClr>
-                  </a:solidFill>
-                </a:ln>
-                <a:solidFill>
-                  <a:schemeClr val="bg1"/>
-                </a:solidFill>
-                <a:latin typeface="바탕"/>
-                <a:ea typeface="바탕"/>
-              </a:rPr>
-              <a:t>2020.04.02(</a:t>
-            </a:r>
-            <a:r>
-              <a:rPr lang="ko-KR" altLang="en-US" sz="2000" dirty="0">
-                <a:ln w="9525">
-                  <a:solidFill>
-                    <a:schemeClr val="bg1">
-                      <a:alpha val="30000"/>
-                    </a:schemeClr>
-                  </a:solidFill>
-                </a:ln>
-                <a:solidFill>
-                  <a:schemeClr val="bg1"/>
-                </a:solidFill>
-                <a:latin typeface="바탕"/>
-                <a:ea typeface="바탕"/>
-              </a:rPr>
-              <a:t>목</a:t>
-            </a:r>
-            <a:r>
-              <a:rPr lang="en-US" altLang="ko-KR" sz="2000" dirty="0">
-                <a:ln w="9525">
-                  <a:solidFill>
-                    <a:schemeClr val="bg1">
-                      <a:alpha val="30000"/>
-                    </a:schemeClr>
-                  </a:solidFill>
-                </a:ln>
-                <a:solidFill>
-                  <a:schemeClr val="bg1"/>
-                </a:solidFill>
-                <a:latin typeface="바탕"/>
-                <a:ea typeface="바탕"/>
-              </a:rPr>
-              <a:t>)~2020.04.08(</a:t>
-            </a:r>
-            <a:r>
-              <a:rPr lang="ko-KR" altLang="en-US" sz="2000" dirty="0">
-                <a:ln w="9525">
-                  <a:solidFill>
-                    <a:schemeClr val="bg1">
-                      <a:alpha val="30000"/>
-                    </a:schemeClr>
-                  </a:solidFill>
-                </a:ln>
-                <a:solidFill>
-                  <a:schemeClr val="bg1"/>
-                </a:solidFill>
-                <a:latin typeface="바탕"/>
-                <a:ea typeface="바탕"/>
-              </a:rPr>
-              <a:t>수</a:t>
-            </a:r>
-            <a:r>
-              <a:rPr lang="en-US" altLang="ko-KR" sz="2000" dirty="0">
-                <a:ln w="9525">
-                  <a:solidFill>
-                    <a:schemeClr val="bg1">
-                      <a:alpha val="30000"/>
-                    </a:schemeClr>
-                  </a:solidFill>
-                </a:ln>
-                <a:solidFill>
-                  <a:schemeClr val="bg1"/>
-                </a:solidFill>
-                <a:latin typeface="바탕"/>
-                <a:ea typeface="바탕"/>
-              </a:rPr>
-              <a:t>)</a:t>
-            </a:r>
-            <a:endParaRPr lang="ko-KR" altLang="en-US" sz="2000" dirty="0">
-              <a:ln w="9525">
-                <a:solidFill>
-                  <a:schemeClr val="bg1">
-                    <a:alpha val="30000"/>
-                  </a:schemeClr>
-                </a:solidFill>
-              </a:ln>
-              <a:solidFill>
-                <a:schemeClr val="bg1"/>
-              </a:solidFill>
-              <a:latin typeface="바탕"/>
-              <a:ea typeface="바탕"/>
-            </a:endParaRPr>
           </a:p>
         </p:txBody>
       </p:sp>
     </p:spTree>
     <p:extLst>
       <p:ext uri="{BB962C8B-B14F-4D97-AF65-F5344CB8AC3E}">
-        <p14:creationId xmlns:p14="http://schemas.microsoft.com/office/powerpoint/2010/main" val="1113927470"/>
+        <p14:creationId xmlns:p14="http://schemas.microsoft.com/office/powerpoint/2010/main" val="1818106231"/>
       </p:ext>
     </p:extLst>
   </p:cSld>
@@ -7880,100 +9012,28 @@
       </p:grpSpPr>
       <p:sp>
         <p:nvSpPr>
-          <p:cNvPr id="23" name="TextBox 22"/>
-          <p:cNvSpPr txBox="1"/>
+          <p:cNvPr id="13" name="직사각형 12">
+            <a:extLst>
+              <a:ext uri="{FF2B5EF4-FFF2-40B4-BE49-F238E27FC236}">
+                <a16:creationId xmlns:a16="http://schemas.microsoft.com/office/drawing/2014/main" id="{A9BEE791-8DEA-41AF-B09B-881F4D67D9B2}"/>
+              </a:ext>
+            </a:extLst>
+          </p:cNvPr>
+          <p:cNvSpPr/>
           <p:nvPr/>
         </p:nvSpPr>
         <p:spPr>
           <a:xfrm>
-            <a:off x="4510087" y="3231232"/>
-            <a:ext cx="3171825" cy="522772"/>
+            <a:off x="5677989" y="6583680"/>
+            <a:ext cx="5921828" cy="931817"/>
           </a:xfrm>
           <a:prstGeom prst="rect">
             <a:avLst/>
           </a:prstGeom>
           <a:noFill/>
-        </p:spPr>
-        <p:txBody>
-          <a:bodyPr wrap="square">
-            <a:spAutoFit/>
-          </a:bodyPr>
-          <a:lstStyle/>
-          <a:p>
-            <a:pPr algn="dist">
-              <a:lnSpc>
-                <a:spcPct val="120000"/>
-              </a:lnSpc>
-              <a:defRPr/>
-            </a:pPr>
-            <a:r>
-              <a:rPr lang="ko-KR" altLang="en-US" sz="2400">
-                <a:ln w="9525">
-                  <a:solidFill>
-                    <a:schemeClr val="accent1">
-                      <a:lumMod val="75000"/>
-                      <a:alpha val="30000"/>
-                    </a:schemeClr>
-                  </a:solidFill>
-                </a:ln>
-                <a:solidFill>
-                  <a:schemeClr val="accent1">
-                    <a:lumMod val="75000"/>
-                  </a:schemeClr>
-                </a:solidFill>
-                <a:latin typeface="바탕"/>
-                <a:ea typeface="바탕"/>
-              </a:rPr>
-              <a:t>감사합니다</a:t>
-            </a:r>
-            <a:endParaRPr lang="en-US" altLang="ko-KR" sz="2400">
-              <a:ln w="9525">
-                <a:solidFill>
-                  <a:schemeClr val="accent1">
-                    <a:lumMod val="75000"/>
-                    <a:alpha val="30000"/>
-                  </a:schemeClr>
-                </a:solidFill>
-              </a:ln>
-              <a:solidFill>
-                <a:schemeClr val="accent1">
-                  <a:lumMod val="75000"/>
-                </a:schemeClr>
-              </a:solidFill>
-              <a:latin typeface="바탕"/>
-              <a:ea typeface="바탕"/>
-            </a:endParaRPr>
-          </a:p>
-        </p:txBody>
-      </p:sp>
-      <p:sp>
-        <p:nvSpPr>
-          <p:cNvPr id="4" name="직사각형 3">
-            <a:extLst>
-              <a:ext uri="{FF2B5EF4-FFF2-40B4-BE49-F238E27FC236}">
-                <a16:creationId xmlns:a16="http://schemas.microsoft.com/office/drawing/2014/main" id="{62D81A71-8E45-4CFC-B2CD-A96D588AB65A}"/>
-              </a:ext>
-            </a:extLst>
-          </p:cNvPr>
-          <p:cNvSpPr/>
-          <p:nvPr/>
-        </p:nvSpPr>
-        <p:spPr>
-          <a:xfrm>
-            <a:off x="4382219" y="1549799"/>
-            <a:ext cx="3392051" cy="3841710"/>
-          </a:xfrm>
-          <a:prstGeom prst="rect">
-            <a:avLst/>
-          </a:prstGeom>
-          <a:noFill/>
-          <a:effectLst>
-            <a:innerShdw blurRad="63500" dist="50800">
-              <a:prstClr val="black">
-                <a:alpha val="50000"/>
-              </a:prstClr>
-            </a:innerShdw>
-          </a:effectLst>
+          <a:ln>
+            <a:noFill/>
+          </a:ln>
         </p:spPr>
         <p:style>
           <a:lnRef idx="2">
@@ -7996,11 +9056,88 @@
           <a:lstStyle/>
           <a:p>
             <a:pPr algn="ctr"/>
-            <a:endParaRPr lang="ko-KR" altLang="en-US" dirty="0"/>
-          </a:p>
-        </p:txBody>
-      </p:sp>
+            <a:endParaRPr lang="ko-KR" altLang="en-US"/>
+          </a:p>
+        </p:txBody>
+      </p:sp>
+      <p:pic>
+        <p:nvPicPr>
+          <p:cNvPr id="3" name="그림 2">
+            <a:extLst>
+              <a:ext uri="{FF2B5EF4-FFF2-40B4-BE49-F238E27FC236}">
+                <a16:creationId xmlns:a16="http://schemas.microsoft.com/office/drawing/2014/main" id="{C85A6758-A652-452A-B5D8-436A21F5C887}"/>
+              </a:ext>
+            </a:extLst>
+          </p:cNvPr>
+          <p:cNvPicPr>
+            <a:picLocks noChangeAspect="1"/>
+          </p:cNvPicPr>
+          <p:nvPr/>
+        </p:nvPicPr>
+        <p:blipFill>
+          <a:blip r:embed="rId2">
+            <a:extLst>
+              <a:ext uri="{28A0092B-C50C-407E-A947-70E740481C1C}">
+                <a14:useLocalDpi xmlns:a14="http://schemas.microsoft.com/office/drawing/2010/main" val="0"/>
+              </a:ext>
+            </a:extLst>
+          </a:blip>
+          <a:stretch>
+            <a:fillRect/>
+          </a:stretch>
+        </p:blipFill>
+        <p:spPr>
+          <a:xfrm>
+            <a:off x="1134797" y="862641"/>
+            <a:ext cx="4787399" cy="5313872"/>
+          </a:xfrm>
+          <a:prstGeom prst="rect">
+            <a:avLst/>
+          </a:prstGeom>
+        </p:spPr>
+      </p:pic>
+      <p:pic>
+        <p:nvPicPr>
+          <p:cNvPr id="5" name="그림 4">
+            <a:extLst>
+              <a:ext uri="{FF2B5EF4-FFF2-40B4-BE49-F238E27FC236}">
+                <a16:creationId xmlns:a16="http://schemas.microsoft.com/office/drawing/2014/main" id="{07D993C3-2339-47F3-88D1-F15DCF0A5AEE}"/>
+              </a:ext>
+            </a:extLst>
+          </p:cNvPr>
+          <p:cNvPicPr>
+            <a:picLocks noChangeAspect="1"/>
+          </p:cNvPicPr>
+          <p:nvPr/>
+        </p:nvPicPr>
+        <p:blipFill>
+          <a:blip r:embed="rId3">
+            <a:extLst>
+              <a:ext uri="{28A0092B-C50C-407E-A947-70E740481C1C}">
+                <a14:useLocalDpi xmlns:a14="http://schemas.microsoft.com/office/drawing/2010/main" val="0"/>
+              </a:ext>
+            </a:extLst>
+          </a:blip>
+          <a:stretch>
+            <a:fillRect/>
+          </a:stretch>
+        </p:blipFill>
+        <p:spPr>
+          <a:xfrm>
+            <a:off x="6485324" y="2446343"/>
+            <a:ext cx="5187861" cy="2522472"/>
+          </a:xfrm>
+          <a:prstGeom prst="rect">
+            <a:avLst/>
+          </a:prstGeom>
+        </p:spPr>
+      </p:pic>
     </p:spTree>
+    <p:extLst>
+      <p:ext uri="{BB962C8B-B14F-4D97-AF65-F5344CB8AC3E}">
+        <p14:creationId xmlns:p14="http://schemas.microsoft.com/office/powerpoint/2010/main" val="2251423202"/>
+      </p:ext>
+    </p:extLst>
   </p:cSld>
   <p:clrMapOvr>
     <a:masterClrMapping/>
